--- a/Working with Plaster.pptx
+++ b/Working with Plaster.pptx
@@ -2,11 +2,14 @@
 <file path=ppt/presentation.xml><?xml version="1.0" encoding="utf-8"?>
 <p:presentation xmlns:a="http://schemas.openxmlformats.org/drawingml/2006/main" xmlns:r="http://schemas.openxmlformats.org/officeDocument/2006/relationships" xmlns:p="http://schemas.openxmlformats.org/presentationml/2006/main" autoCompressPictures="0">
   <p:sldMasterIdLst>
-    <p:sldMasterId id="2147483648" r:id="rId1"/>
+    <p:sldMasterId id="2147483745" r:id="rId1"/>
   </p:sldMasterIdLst>
   <p:sldIdLst>
     <p:sldId id="256" r:id="rId2"/>
-    <p:sldId id="257" r:id="rId3"/>
+    <p:sldId id="258" r:id="rId3"/>
+    <p:sldId id="257" r:id="rId4"/>
+    <p:sldId id="259" r:id="rId5"/>
+    <p:sldId id="260" r:id="rId6"/>
   </p:sldIdLst>
   <p:sldSz cx="12192000" cy="6858000"/>
   <p:notesSz cx="6858000" cy="9144000"/>
@@ -105,6 +108,11 @@
       </a:defRPr>
     </a:lvl9pPr>
   </p:defaultTextStyle>
+  <p:extLst>
+    <p:ext uri="{EFAFB233-063F-42B5-8137-9DF3F51BA10A}">
+      <p15:sldGuideLst xmlns:p15="http://schemas.microsoft.com/office/powerpoint/2012/main"/>
+    </p:ext>
+  </p:extLst>
 </p:presentation>
 </file>
 
@@ -309,7 +317,7 @@
           <a:lstStyle/>
           <a:p>
             <a:fld id="{B61BEF0D-F0BB-DE4B-95CE-6DB70DBA9567}" type="datetimeFigureOut">
-              <a:rPr lang="en-US" dirty="0"/>
+              <a:rPr lang="en-US" smtClean="0"/>
               <a:pPr/>
               <a:t>6/4/2017</a:t>
             </a:fld>
@@ -352,7 +360,7 @@
           <a:lstStyle/>
           <a:p>
             <a:fld id="{D57F1E4F-1CFF-5643-939E-217C01CDF565}" type="slidenum">
-              <a:rPr lang="en-US" dirty="0"/>
+              <a:rPr lang="en-US" smtClean="0"/>
               <a:pPr/>
               <a:t>‹#›</a:t>
             </a:fld>
@@ -361,6 +369,11 @@
         </p:txBody>
       </p:sp>
     </p:spTree>
+    <p:extLst>
+      <p:ext uri="{BB962C8B-B14F-4D97-AF65-F5344CB8AC3E}">
+        <p14:creationId xmlns:p14="http://schemas.microsoft.com/office/powerpoint/2010/main" val="594204463"/>
+      </p:ext>
+    </p:extLst>
   </p:cSld>
   <p:clrMapOvr>
     <a:masterClrMapping/>
@@ -597,7 +610,7 @@
           <a:lstStyle/>
           <a:p>
             <a:fld id="{B61BEF0D-F0BB-DE4B-95CE-6DB70DBA9567}" type="datetimeFigureOut">
-              <a:rPr lang="en-US" dirty="0"/>
+              <a:rPr lang="en-US" smtClean="0"/>
               <a:pPr/>
               <a:t>6/4/2017</a:t>
             </a:fld>
@@ -640,7 +653,7 @@
           <a:lstStyle/>
           <a:p>
             <a:fld id="{D57F1E4F-1CFF-5643-939E-217C01CDF565}" type="slidenum">
-              <a:rPr lang="en-US" dirty="0"/>
+              <a:rPr lang="en-US" smtClean="0"/>
               <a:pPr/>
               <a:t>‹#›</a:t>
             </a:fld>
@@ -649,6 +662,11 @@
         </p:txBody>
       </p:sp>
     </p:spTree>
+    <p:extLst>
+      <p:ext uri="{BB962C8B-B14F-4D97-AF65-F5344CB8AC3E}">
+        <p14:creationId xmlns:p14="http://schemas.microsoft.com/office/powerpoint/2010/main" val="1751888433"/>
+      </p:ext>
+    </p:extLst>
   </p:cSld>
   <p:clrMapOvr>
     <a:masterClrMapping/>
@@ -842,7 +860,7 @@
           <a:lstStyle/>
           <a:p>
             <a:fld id="{B61BEF0D-F0BB-DE4B-95CE-6DB70DBA9567}" type="datetimeFigureOut">
-              <a:rPr lang="en-US" dirty="0"/>
+              <a:rPr lang="en-US" smtClean="0"/>
               <a:pPr/>
               <a:t>6/4/2017</a:t>
             </a:fld>
@@ -885,7 +903,7 @@
           <a:lstStyle/>
           <a:p>
             <a:fld id="{D57F1E4F-1CFF-5643-939E-217C01CDF565}" type="slidenum">
-              <a:rPr lang="en-US" dirty="0"/>
+              <a:rPr lang="en-US" smtClean="0"/>
               <a:pPr/>
               <a:t>‹#›</a:t>
             </a:fld>
@@ -894,6 +912,11 @@
         </p:txBody>
       </p:sp>
     </p:spTree>
+    <p:extLst>
+      <p:ext uri="{BB962C8B-B14F-4D97-AF65-F5344CB8AC3E}">
+        <p14:creationId xmlns:p14="http://schemas.microsoft.com/office/powerpoint/2010/main" val="108498698"/>
+      </p:ext>
+    </p:extLst>
   </p:cSld>
   <p:clrMapOvr>
     <a:masterClrMapping/>
@@ -1375,7 +1398,7 @@
           <a:lstStyle/>
           <a:p>
             <a:fld id="{B61BEF0D-F0BB-DE4B-95CE-6DB70DBA9567}" type="datetimeFigureOut">
-              <a:rPr lang="en-US" dirty="0"/>
+              <a:rPr lang="en-US" smtClean="0"/>
               <a:pPr/>
               <a:t>6/4/2017</a:t>
             </a:fld>
@@ -1418,7 +1441,7 @@
           <a:lstStyle/>
           <a:p>
             <a:fld id="{D57F1E4F-1CFF-5643-939E-217C01CDF565}" type="slidenum">
-              <a:rPr lang="en-US" dirty="0"/>
+              <a:rPr lang="en-US" smtClean="0"/>
               <a:pPr/>
               <a:t>‹#›</a:t>
             </a:fld>
@@ -1427,6 +1450,11 @@
         </p:txBody>
       </p:sp>
     </p:spTree>
+    <p:extLst>
+      <p:ext uri="{BB962C8B-B14F-4D97-AF65-F5344CB8AC3E}">
+        <p14:creationId xmlns:p14="http://schemas.microsoft.com/office/powerpoint/2010/main" val="1085702039"/>
+      </p:ext>
+    </p:extLst>
   </p:cSld>
   <p:clrMapOvr>
     <a:masterClrMapping/>
@@ -1620,7 +1648,7 @@
           <a:lstStyle/>
           <a:p>
             <a:fld id="{B61BEF0D-F0BB-DE4B-95CE-6DB70DBA9567}" type="datetimeFigureOut">
-              <a:rPr lang="en-US" dirty="0"/>
+              <a:rPr lang="en-US" smtClean="0"/>
               <a:pPr/>
               <a:t>6/4/2017</a:t>
             </a:fld>
@@ -1663,7 +1691,7 @@
           <a:lstStyle/>
           <a:p>
             <a:fld id="{D57F1E4F-1CFF-5643-939E-217C01CDF565}" type="slidenum">
-              <a:rPr lang="en-US" dirty="0"/>
+              <a:rPr lang="en-US" smtClean="0"/>
               <a:pPr/>
               <a:t>‹#›</a:t>
             </a:fld>
@@ -1672,6 +1700,11 @@
         </p:txBody>
       </p:sp>
     </p:spTree>
+    <p:extLst>
+      <p:ext uri="{BB962C8B-B14F-4D97-AF65-F5344CB8AC3E}">
+        <p14:creationId xmlns:p14="http://schemas.microsoft.com/office/powerpoint/2010/main" val="954978999"/>
+      </p:ext>
+    </p:extLst>
   </p:cSld>
   <p:clrMapOvr>
     <a:masterClrMapping/>
@@ -2160,7 +2193,7 @@
           <a:lstStyle/>
           <a:p>
             <a:fld id="{B61BEF0D-F0BB-DE4B-95CE-6DB70DBA9567}" type="datetimeFigureOut">
-              <a:rPr lang="en-US" dirty="0"/>
+              <a:rPr lang="en-US" smtClean="0"/>
               <a:pPr/>
               <a:t>6/4/2017</a:t>
             </a:fld>
@@ -2203,7 +2236,7 @@
           <a:lstStyle/>
           <a:p>
             <a:fld id="{D57F1E4F-1CFF-5643-939E-217C01CDF565}" type="slidenum">
-              <a:rPr lang="en-US" dirty="0"/>
+              <a:rPr lang="en-US" smtClean="0"/>
               <a:pPr/>
               <a:t>‹#›</a:t>
             </a:fld>
@@ -2212,6 +2245,11 @@
         </p:txBody>
       </p:sp>
     </p:spTree>
+    <p:extLst>
+      <p:ext uri="{BB962C8B-B14F-4D97-AF65-F5344CB8AC3E}">
+        <p14:creationId xmlns:p14="http://schemas.microsoft.com/office/powerpoint/2010/main" val="384032247"/>
+      </p:ext>
+    </p:extLst>
   </p:cSld>
   <p:clrMapOvr>
     <a:masterClrMapping/>
@@ -2467,7 +2505,7 @@
           <a:lstStyle/>
           <a:p>
             <a:fld id="{B61BEF0D-F0BB-DE4B-95CE-6DB70DBA9567}" type="datetimeFigureOut">
-              <a:rPr lang="en-US" dirty="0"/>
+              <a:rPr lang="en-US" smtClean="0"/>
               <a:pPr/>
               <a:t>6/4/2017</a:t>
             </a:fld>
@@ -2510,7 +2548,7 @@
           <a:lstStyle/>
           <a:p>
             <a:fld id="{D57F1E4F-1CFF-5643-939E-217C01CDF565}" type="slidenum">
-              <a:rPr lang="en-US" dirty="0"/>
+              <a:rPr lang="en-US" smtClean="0"/>
               <a:pPr/>
               <a:t>‹#›</a:t>
             </a:fld>
@@ -2519,6 +2557,11 @@
         </p:txBody>
       </p:sp>
     </p:spTree>
+    <p:extLst>
+      <p:ext uri="{BB962C8B-B14F-4D97-AF65-F5344CB8AC3E}">
+        <p14:creationId xmlns:p14="http://schemas.microsoft.com/office/powerpoint/2010/main" val="761568628"/>
+      </p:ext>
+    </p:extLst>
   </p:cSld>
   <p:clrMapOvr>
     <a:masterClrMapping/>
@@ -2639,7 +2682,7 @@
           <a:lstStyle/>
           <a:p>
             <a:fld id="{B61BEF0D-F0BB-DE4B-95CE-6DB70DBA9567}" type="datetimeFigureOut">
-              <a:rPr lang="en-US" dirty="0"/>
+              <a:rPr lang="en-US" smtClean="0"/>
               <a:pPr/>
               <a:t>6/4/2017</a:t>
             </a:fld>
@@ -2682,7 +2725,7 @@
           <a:lstStyle/>
           <a:p>
             <a:fld id="{D57F1E4F-1CFF-5643-939E-217C01CDF565}" type="slidenum">
-              <a:rPr lang="en-US" dirty="0"/>
+              <a:rPr lang="en-US" smtClean="0"/>
               <a:pPr/>
               <a:t>‹#›</a:t>
             </a:fld>
@@ -2691,6 +2734,11 @@
         </p:txBody>
       </p:sp>
     </p:spTree>
+    <p:extLst>
+      <p:ext uri="{BB962C8B-B14F-4D97-AF65-F5344CB8AC3E}">
+        <p14:creationId xmlns:p14="http://schemas.microsoft.com/office/powerpoint/2010/main" val="1655464829"/>
+      </p:ext>
+    </p:extLst>
   </p:cSld>
   <p:clrMapOvr>
     <a:masterClrMapping/>
@@ -2816,7 +2864,7 @@
           <a:lstStyle/>
           <a:p>
             <a:fld id="{B61BEF0D-F0BB-DE4B-95CE-6DB70DBA9567}" type="datetimeFigureOut">
-              <a:rPr lang="en-US" dirty="0"/>
+              <a:rPr lang="en-US" smtClean="0"/>
               <a:pPr/>
               <a:t>6/4/2017</a:t>
             </a:fld>
@@ -2859,7 +2907,7 @@
           <a:lstStyle/>
           <a:p>
             <a:fld id="{D57F1E4F-1CFF-5643-939E-217C01CDF565}" type="slidenum">
-              <a:rPr lang="en-US" dirty="0"/>
+              <a:rPr lang="en-US" smtClean="0"/>
               <a:pPr/>
               <a:t>‹#›</a:t>
             </a:fld>
@@ -2868,6 +2916,11 @@
         </p:txBody>
       </p:sp>
     </p:spTree>
+    <p:extLst>
+      <p:ext uri="{BB962C8B-B14F-4D97-AF65-F5344CB8AC3E}">
+        <p14:creationId xmlns:p14="http://schemas.microsoft.com/office/powerpoint/2010/main" val="2825428742"/>
+      </p:ext>
+    </p:extLst>
   </p:cSld>
   <p:clrMapOvr>
     <a:masterClrMapping/>
@@ -2983,7 +3036,7 @@
           <a:lstStyle/>
           <a:p>
             <a:fld id="{B61BEF0D-F0BB-DE4B-95CE-6DB70DBA9567}" type="datetimeFigureOut">
-              <a:rPr lang="en-US" dirty="0"/>
+              <a:rPr lang="en-US" smtClean="0"/>
               <a:pPr/>
               <a:t>6/4/2017</a:t>
             </a:fld>
@@ -3026,7 +3079,7 @@
           <a:lstStyle/>
           <a:p>
             <a:fld id="{D57F1E4F-1CFF-5643-939E-217C01CDF565}" type="slidenum">
-              <a:rPr lang="en-US" dirty="0"/>
+              <a:rPr lang="en-US" smtClean="0"/>
               <a:pPr/>
               <a:t>‹#›</a:t>
             </a:fld>
@@ -3035,6 +3088,11 @@
         </p:txBody>
       </p:sp>
     </p:spTree>
+    <p:extLst>
+      <p:ext uri="{BB962C8B-B14F-4D97-AF65-F5344CB8AC3E}">
+        <p14:creationId xmlns:p14="http://schemas.microsoft.com/office/powerpoint/2010/main" val="3449339708"/>
+      </p:ext>
+    </p:extLst>
   </p:cSld>
   <p:clrMapOvr>
     <a:masterClrMapping/>
@@ -3226,7 +3284,7 @@
           <a:lstStyle/>
           <a:p>
             <a:fld id="{B61BEF0D-F0BB-DE4B-95CE-6DB70DBA9567}" type="datetimeFigureOut">
-              <a:rPr lang="en-US" dirty="0"/>
+              <a:rPr lang="en-US" smtClean="0"/>
               <a:pPr/>
               <a:t>6/4/2017</a:t>
             </a:fld>
@@ -3269,7 +3327,7 @@
           <a:lstStyle/>
           <a:p>
             <a:fld id="{D57F1E4F-1CFF-5643-939E-217C01CDF565}" type="slidenum">
-              <a:rPr lang="en-US" dirty="0"/>
+              <a:rPr lang="en-US" smtClean="0"/>
               <a:pPr/>
               <a:t>‹#›</a:t>
             </a:fld>
@@ -3278,6 +3336,11 @@
         </p:txBody>
       </p:sp>
     </p:spTree>
+    <p:extLst>
+      <p:ext uri="{BB962C8B-B14F-4D97-AF65-F5344CB8AC3E}">
+        <p14:creationId xmlns:p14="http://schemas.microsoft.com/office/powerpoint/2010/main" val="3296615910"/>
+      </p:ext>
+    </p:extLst>
   </p:cSld>
   <p:clrMapOvr>
     <a:masterClrMapping/>
@@ -3515,7 +3578,7 @@
           <a:lstStyle/>
           <a:p>
             <a:fld id="{B61BEF0D-F0BB-DE4B-95CE-6DB70DBA9567}" type="datetimeFigureOut">
-              <a:rPr lang="en-US" dirty="0"/>
+              <a:rPr lang="en-US" smtClean="0"/>
               <a:pPr/>
               <a:t>6/4/2017</a:t>
             </a:fld>
@@ -3558,7 +3621,7 @@
           <a:lstStyle/>
           <a:p>
             <a:fld id="{D57F1E4F-1CFF-5643-939E-217C01CDF565}" type="slidenum">
-              <a:rPr lang="en-US" dirty="0"/>
+              <a:rPr lang="en-US" smtClean="0"/>
               <a:pPr/>
               <a:t>‹#›</a:t>
             </a:fld>
@@ -3567,6 +3630,11 @@
         </p:txBody>
       </p:sp>
     </p:spTree>
+    <p:extLst>
+      <p:ext uri="{BB962C8B-B14F-4D97-AF65-F5344CB8AC3E}">
+        <p14:creationId xmlns:p14="http://schemas.microsoft.com/office/powerpoint/2010/main" val="214061040"/>
+      </p:ext>
+    </p:extLst>
   </p:cSld>
   <p:clrMapOvr>
     <a:masterClrMapping/>
@@ -3942,7 +4010,7 @@
           <a:lstStyle/>
           <a:p>
             <a:fld id="{B61BEF0D-F0BB-DE4B-95CE-6DB70DBA9567}" type="datetimeFigureOut">
-              <a:rPr lang="en-US" dirty="0"/>
+              <a:rPr lang="en-US" smtClean="0"/>
               <a:pPr/>
               <a:t>6/4/2017</a:t>
             </a:fld>
@@ -3985,7 +4053,7 @@
           <a:lstStyle/>
           <a:p>
             <a:fld id="{D57F1E4F-1CFF-5643-939E-217C01CDF565}" type="slidenum">
-              <a:rPr lang="en-US" dirty="0"/>
+              <a:rPr lang="en-US" smtClean="0"/>
               <a:pPr/>
               <a:t>‹#›</a:t>
             </a:fld>
@@ -3994,6 +4062,11 @@
         </p:txBody>
       </p:sp>
     </p:spTree>
+    <p:extLst>
+      <p:ext uri="{BB962C8B-B14F-4D97-AF65-F5344CB8AC3E}">
+        <p14:creationId xmlns:p14="http://schemas.microsoft.com/office/powerpoint/2010/main" val="2233539604"/>
+      </p:ext>
+    </p:extLst>
   </p:cSld>
   <p:clrMapOvr>
     <a:masterClrMapping/>
@@ -4062,7 +4135,7 @@
           <a:lstStyle/>
           <a:p>
             <a:fld id="{B61BEF0D-F0BB-DE4B-95CE-6DB70DBA9567}" type="datetimeFigureOut">
-              <a:rPr lang="en-US" dirty="0"/>
+              <a:rPr lang="en-US" smtClean="0"/>
               <a:pPr/>
               <a:t>6/4/2017</a:t>
             </a:fld>
@@ -4105,7 +4178,7 @@
           <a:lstStyle/>
           <a:p>
             <a:fld id="{D57F1E4F-1CFF-5643-939E-217C01CDF565}" type="slidenum">
-              <a:rPr lang="en-US" dirty="0"/>
+              <a:rPr lang="en-US" smtClean="0"/>
               <a:pPr/>
               <a:t>‹#›</a:t>
             </a:fld>
@@ -4114,6 +4187,11 @@
         </p:txBody>
       </p:sp>
     </p:spTree>
+    <p:extLst>
+      <p:ext uri="{BB962C8B-B14F-4D97-AF65-F5344CB8AC3E}">
+        <p14:creationId xmlns:p14="http://schemas.microsoft.com/office/powerpoint/2010/main" val="2587133023"/>
+      </p:ext>
+    </p:extLst>
   </p:cSld>
   <p:clrMapOvr>
     <a:overrideClrMapping bg1="dk1" tx1="lt1" bg2="dk2" tx2="lt2" accent1="accent1" accent2="accent2" accent3="accent3" accent4="accent4" accent5="accent5" accent6="accent6" hlink="hlink" folHlink="folHlink"/>
@@ -4154,7 +4232,7 @@
           <a:lstStyle/>
           <a:p>
             <a:fld id="{B61BEF0D-F0BB-DE4B-95CE-6DB70DBA9567}" type="datetimeFigureOut">
-              <a:rPr lang="en-US" dirty="0"/>
+              <a:rPr lang="en-US" smtClean="0"/>
               <a:pPr/>
               <a:t>6/4/2017</a:t>
             </a:fld>
@@ -4197,7 +4275,7 @@
           <a:lstStyle/>
           <a:p>
             <a:fld id="{D57F1E4F-1CFF-5643-939E-217C01CDF565}" type="slidenum">
-              <a:rPr lang="en-US" dirty="0"/>
+              <a:rPr lang="en-US" smtClean="0"/>
               <a:pPr/>
               <a:t>‹#›</a:t>
             </a:fld>
@@ -4206,6 +4284,11 @@
         </p:txBody>
       </p:sp>
     </p:spTree>
+    <p:extLst>
+      <p:ext uri="{BB962C8B-B14F-4D97-AF65-F5344CB8AC3E}">
+        <p14:creationId xmlns:p14="http://schemas.microsoft.com/office/powerpoint/2010/main" val="2402265793"/>
+      </p:ext>
+    </p:extLst>
   </p:cSld>
   <p:clrMapOvr>
     <a:masterClrMapping/>
@@ -4434,7 +4517,7 @@
           <a:lstStyle/>
           <a:p>
             <a:fld id="{B61BEF0D-F0BB-DE4B-95CE-6DB70DBA9567}" type="datetimeFigureOut">
-              <a:rPr lang="en-US" dirty="0"/>
+              <a:rPr lang="en-US" smtClean="0"/>
               <a:pPr/>
               <a:t>6/4/2017</a:t>
             </a:fld>
@@ -4477,7 +4560,7 @@
           <a:lstStyle/>
           <a:p>
             <a:fld id="{D57F1E4F-1CFF-5643-939E-217C01CDF565}" type="slidenum">
-              <a:rPr lang="en-US" dirty="0"/>
+              <a:rPr lang="en-US" smtClean="0"/>
               <a:pPr/>
               <a:t>‹#›</a:t>
             </a:fld>
@@ -4486,6 +4569,11 @@
         </p:txBody>
       </p:sp>
     </p:spTree>
+    <p:extLst>
+      <p:ext uri="{BB962C8B-B14F-4D97-AF65-F5344CB8AC3E}">
+        <p14:creationId xmlns:p14="http://schemas.microsoft.com/office/powerpoint/2010/main" val="2503755043"/>
+      </p:ext>
+    </p:extLst>
   </p:cSld>
   <p:clrMapOvr>
     <a:masterClrMapping/>
@@ -4722,7 +4810,7 @@
           <a:lstStyle/>
           <a:p>
             <a:fld id="{B61BEF0D-F0BB-DE4B-95CE-6DB70DBA9567}" type="datetimeFigureOut">
-              <a:rPr lang="en-US" dirty="0"/>
+              <a:rPr lang="en-US" smtClean="0"/>
               <a:pPr/>
               <a:t>6/4/2017</a:t>
             </a:fld>
@@ -4775,7 +4863,7 @@
           <a:lstStyle/>
           <a:p>
             <a:fld id="{D57F1E4F-1CFF-5643-939E-217C01CDF565}" type="slidenum">
-              <a:rPr lang="en-US" dirty="0"/>
+              <a:rPr lang="en-US" smtClean="0"/>
               <a:pPr/>
               <a:t>‹#›</a:t>
             </a:fld>
@@ -4784,6 +4872,11 @@
         </p:txBody>
       </p:sp>
     </p:spTree>
+    <p:extLst>
+      <p:ext uri="{BB962C8B-B14F-4D97-AF65-F5344CB8AC3E}">
+        <p14:creationId xmlns:p14="http://schemas.microsoft.com/office/powerpoint/2010/main" val="2111417586"/>
+      </p:ext>
+    </p:extLst>
   </p:cSld>
   <p:clrMapOvr>
     <a:masterClrMapping/>
@@ -4950,7 +5043,7 @@
           </a:lstStyle>
           <a:p>
             <a:fld id="{B61BEF0D-F0BB-DE4B-95CE-6DB70DBA9567}" type="datetimeFigureOut">
-              <a:rPr lang="en-US" dirty="0"/>
+              <a:rPr lang="en-US" smtClean="0"/>
               <a:pPr/>
               <a:t>6/4/2017</a:t>
             </a:fld>
@@ -5045,7 +5138,7 @@
           </a:lstStyle>
           <a:p>
             <a:fld id="{D57F1E4F-1CFF-5643-939E-217C01CDF565}" type="slidenum">
-              <a:rPr lang="en-US" dirty="0"/>
+              <a:rPr lang="en-US" smtClean="0"/>
               <a:pPr/>
               <a:t>‹#›</a:t>
             </a:fld>
@@ -5054,26 +5147,31 @@
         </p:txBody>
       </p:sp>
     </p:spTree>
+    <p:extLst>
+      <p:ext uri="{BB962C8B-B14F-4D97-AF65-F5344CB8AC3E}">
+        <p14:creationId xmlns:p14="http://schemas.microsoft.com/office/powerpoint/2010/main" val="3057287728"/>
+      </p:ext>
+    </p:extLst>
   </p:cSld>
   <p:clrMap bg1="dk1" tx1="lt1" bg2="dk2" tx2="lt2" accent1="accent1" accent2="accent2" accent3="accent3" accent4="accent4" accent5="accent5" accent6="accent6" hlink="hlink" folHlink="folHlink"/>
   <p:sldLayoutIdLst>
-    <p:sldLayoutId id="2147483649" r:id="rId1"/>
-    <p:sldLayoutId id="2147483650" r:id="rId2"/>
-    <p:sldLayoutId id="2147483651" r:id="rId3"/>
-    <p:sldLayoutId id="2147483652" r:id="rId4"/>
-    <p:sldLayoutId id="2147483653" r:id="rId5"/>
-    <p:sldLayoutId id="2147483654" r:id="rId6"/>
-    <p:sldLayoutId id="2147483655" r:id="rId7"/>
-    <p:sldLayoutId id="2147483656" r:id="rId8"/>
-    <p:sldLayoutId id="2147483661" r:id="rId9"/>
-    <p:sldLayoutId id="2147483657" r:id="rId10"/>
-    <p:sldLayoutId id="2147483663" r:id="rId11"/>
-    <p:sldLayoutId id="2147483664" r:id="rId12"/>
-    <p:sldLayoutId id="2147483665" r:id="rId13"/>
-    <p:sldLayoutId id="2147483666" r:id="rId14"/>
-    <p:sldLayoutId id="2147483667" r:id="rId15"/>
-    <p:sldLayoutId id="2147483658" r:id="rId16"/>
-    <p:sldLayoutId id="2147483659" r:id="rId17"/>
+    <p:sldLayoutId id="2147483746" r:id="rId1"/>
+    <p:sldLayoutId id="2147483747" r:id="rId2"/>
+    <p:sldLayoutId id="2147483748" r:id="rId3"/>
+    <p:sldLayoutId id="2147483749" r:id="rId4"/>
+    <p:sldLayoutId id="2147483750" r:id="rId5"/>
+    <p:sldLayoutId id="2147483751" r:id="rId6"/>
+    <p:sldLayoutId id="2147483752" r:id="rId7"/>
+    <p:sldLayoutId id="2147483753" r:id="rId8"/>
+    <p:sldLayoutId id="2147483754" r:id="rId9"/>
+    <p:sldLayoutId id="2147483755" r:id="rId10"/>
+    <p:sldLayoutId id="2147483756" r:id="rId11"/>
+    <p:sldLayoutId id="2147483757" r:id="rId12"/>
+    <p:sldLayoutId id="2147483758" r:id="rId13"/>
+    <p:sldLayoutId id="2147483759" r:id="rId14"/>
+    <p:sldLayoutId id="2147483760" r:id="rId15"/>
+    <p:sldLayoutId id="2147483761" r:id="rId16"/>
+    <p:sldLayoutId id="2147483762" r:id="rId17"/>
   </p:sldLayoutIdLst>
   <p:txStyles>
     <p:titleStyle>
@@ -5663,6 +5761,13 @@
   <p:clrMapOvr>
     <a:masterClrMapping/>
   </p:clrMapOvr>
+  <p:timing>
+    <p:tnLst>
+      <p:par>
+        <p:cTn id="1" dur="indefinite" restart="never" nodeType="tmRoot"/>
+      </p:par>
+    </p:tnLst>
+  </p:timing>
 </p:sld>
 </file>
 
@@ -5700,6 +5805,89 @@
           <a:p>
             <a:r>
               <a:rPr lang="en-US" dirty="0" smtClean="0"/>
+              <a:t>Who’s this guy</a:t>
+            </a:r>
+            <a:endParaRPr lang="en-US" dirty="0"/>
+          </a:p>
+        </p:txBody>
+      </p:sp>
+      <p:sp>
+        <p:nvSpPr>
+          <p:cNvPr id="3" name="Content Placeholder 2"/>
+          <p:cNvSpPr>
+            <a:spLocks noGrp="1"/>
+          </p:cNvSpPr>
+          <p:nvPr>
+            <p:ph idx="1"/>
+          </p:nvPr>
+        </p:nvSpPr>
+        <p:spPr/>
+        <p:txBody>
+          <a:bodyPr/>
+          <a:lstStyle/>
+          <a:p>
+            <a:r>
+              <a:rPr lang="en-US" dirty="0" smtClean="0"/>
+              <a:t> </a:t>
+            </a:r>
+            <a:endParaRPr lang="en-US" dirty="0" smtClean="0"/>
+          </a:p>
+        </p:txBody>
+      </p:sp>
+    </p:spTree>
+    <p:extLst>
+      <p:ext uri="{BB962C8B-B14F-4D97-AF65-F5344CB8AC3E}">
+        <p14:creationId xmlns:p14="http://schemas.microsoft.com/office/powerpoint/2010/main" val="1324604567"/>
+      </p:ext>
+    </p:extLst>
+  </p:cSld>
+  <p:clrMapOvr>
+    <a:masterClrMapping/>
+  </p:clrMapOvr>
+  <p:timing>
+    <p:tnLst>
+      <p:par>
+        <p:cTn id="1" dur="indefinite" restart="never" nodeType="tmRoot"/>
+      </p:par>
+    </p:tnLst>
+  </p:timing>
+</p:sld>
+</file>
+
+<file path=ppt/slides/slide3.xml><?xml version="1.0" encoding="utf-8"?>
+<p:sld xmlns:a="http://schemas.openxmlformats.org/drawingml/2006/main" xmlns:r="http://schemas.openxmlformats.org/officeDocument/2006/relationships" xmlns:p="http://schemas.openxmlformats.org/presentationml/2006/main">
+  <p:cSld>
+    <p:spTree>
+      <p:nvGrpSpPr>
+        <p:cNvPr id="1" name=""/>
+        <p:cNvGrpSpPr/>
+        <p:nvPr/>
+      </p:nvGrpSpPr>
+      <p:grpSpPr>
+        <a:xfrm>
+          <a:off x="0" y="0"/>
+          <a:ext cx="0" cy="0"/>
+          <a:chOff x="0" y="0"/>
+          <a:chExt cx="0" cy="0"/>
+        </a:xfrm>
+      </p:grpSpPr>
+      <p:sp>
+        <p:nvSpPr>
+          <p:cNvPr id="2" name="Title 1"/>
+          <p:cNvSpPr>
+            <a:spLocks noGrp="1"/>
+          </p:cNvSpPr>
+          <p:nvPr>
+            <p:ph type="title"/>
+          </p:nvPr>
+        </p:nvSpPr>
+        <p:spPr/>
+        <p:txBody>
+          <a:bodyPr/>
+          <a:lstStyle/>
+          <a:p>
+            <a:r>
+              <a:rPr lang="en-US" dirty="0" smtClean="0"/>
               <a:t>Agenda</a:t>
             </a:r>
             <a:endParaRPr lang="en-US" dirty="0"/>
@@ -5751,6 +5939,10 @@
             </a:r>
           </a:p>
           <a:p>
+            <a:r>
+              <a:rPr lang="en-US" dirty="0" smtClean="0"/>
+              <a:t>Examples</a:t>
+            </a:r>
             <a:endParaRPr lang="en-US" dirty="0" smtClean="0"/>
           </a:p>
         </p:txBody>
@@ -5765,13 +5957,237 @@
   <p:clrMapOvr>
     <a:masterClrMapping/>
   </p:clrMapOvr>
+  <p:timing>
+    <p:tnLst>
+      <p:par>
+        <p:cTn id="1" dur="indefinite" restart="never" nodeType="tmRoot"/>
+      </p:par>
+    </p:tnLst>
+  </p:timing>
+</p:sld>
+</file>
+
+<file path=ppt/slides/slide4.xml><?xml version="1.0" encoding="utf-8"?>
+<p:sld xmlns:a="http://schemas.openxmlformats.org/drawingml/2006/main" xmlns:r="http://schemas.openxmlformats.org/officeDocument/2006/relationships" xmlns:p="http://schemas.openxmlformats.org/presentationml/2006/main">
+  <p:cSld>
+    <p:spTree>
+      <p:nvGrpSpPr>
+        <p:cNvPr id="1" name=""/>
+        <p:cNvGrpSpPr/>
+        <p:nvPr/>
+      </p:nvGrpSpPr>
+      <p:grpSpPr>
+        <a:xfrm>
+          <a:off x="0" y="0"/>
+          <a:ext cx="0" cy="0"/>
+          <a:chOff x="0" y="0"/>
+          <a:chExt cx="0" cy="0"/>
+        </a:xfrm>
+      </p:grpSpPr>
+      <p:sp>
+        <p:nvSpPr>
+          <p:cNvPr id="2" name="Title 1"/>
+          <p:cNvSpPr>
+            <a:spLocks noGrp="1"/>
+          </p:cNvSpPr>
+          <p:nvPr>
+            <p:ph type="title"/>
+          </p:nvPr>
+        </p:nvSpPr>
+        <p:spPr/>
+        <p:txBody>
+          <a:bodyPr/>
+          <a:lstStyle/>
+          <a:p>
+            <a:r>
+              <a:rPr lang="en-US" dirty="0" smtClean="0"/>
+              <a:t>What is Plaster</a:t>
+            </a:r>
+            <a:endParaRPr lang="en-US" dirty="0"/>
+          </a:p>
+        </p:txBody>
+      </p:sp>
+      <p:sp>
+        <p:nvSpPr>
+          <p:cNvPr id="3" name="Content Placeholder 2"/>
+          <p:cNvSpPr>
+            <a:spLocks noGrp="1"/>
+          </p:cNvSpPr>
+          <p:nvPr>
+            <p:ph idx="1"/>
+          </p:nvPr>
+        </p:nvSpPr>
+        <p:spPr/>
+        <p:txBody>
+          <a:bodyPr/>
+          <a:lstStyle/>
+          <a:p>
+            <a:r>
+              <a:rPr lang="en-US" dirty="0" smtClean="0"/>
+              <a:t>Plast</a:t>
+            </a:r>
+            <a:r>
+              <a:rPr lang="en-US" dirty="0" smtClean="0"/>
+              <a:t>er is PowerShell Scaffolding</a:t>
+            </a:r>
+          </a:p>
+          <a:p>
+            <a:r>
+              <a:rPr lang="en-US" dirty="0"/>
+              <a:t>Find-Module -Name Plaster -Repository </a:t>
+            </a:r>
+            <a:r>
+              <a:rPr lang="en-US" dirty="0" err="1"/>
+              <a:t>PSGallery</a:t>
+            </a:r>
+            <a:endParaRPr lang="en-US" dirty="0" smtClean="0"/>
+          </a:p>
+          <a:p>
+            <a:endParaRPr lang="en-US" dirty="0" smtClean="0"/>
+          </a:p>
+          <a:p>
+            <a:endParaRPr lang="en-US" dirty="0" smtClean="0"/>
+          </a:p>
+        </p:txBody>
+      </p:sp>
+    </p:spTree>
+    <p:extLst>
+      <p:ext uri="{BB962C8B-B14F-4D97-AF65-F5344CB8AC3E}">
+        <p14:creationId xmlns:p14="http://schemas.microsoft.com/office/powerpoint/2010/main" val="3860058153"/>
+      </p:ext>
+    </p:extLst>
+  </p:cSld>
+  <p:clrMapOvr>
+    <a:masterClrMapping/>
+  </p:clrMapOvr>
+  <p:timing>
+    <p:tnLst>
+      <p:par>
+        <p:cTn id="1" dur="indefinite" restart="never" nodeType="tmRoot"/>
+      </p:par>
+    </p:tnLst>
+  </p:timing>
+</p:sld>
+</file>
+
+<file path=ppt/slides/slide5.xml><?xml version="1.0" encoding="utf-8"?>
+<p:sld xmlns:a="http://schemas.openxmlformats.org/drawingml/2006/main" xmlns:r="http://schemas.openxmlformats.org/officeDocument/2006/relationships" xmlns:p="http://schemas.openxmlformats.org/presentationml/2006/main">
+  <p:cSld>
+    <p:spTree>
+      <p:nvGrpSpPr>
+        <p:cNvPr id="1" name=""/>
+        <p:cNvGrpSpPr/>
+        <p:nvPr/>
+      </p:nvGrpSpPr>
+      <p:grpSpPr>
+        <a:xfrm>
+          <a:off x="0" y="0"/>
+          <a:ext cx="0" cy="0"/>
+          <a:chOff x="0" y="0"/>
+          <a:chExt cx="0" cy="0"/>
+        </a:xfrm>
+      </p:grpSpPr>
+      <p:sp>
+        <p:nvSpPr>
+          <p:cNvPr id="2" name="Title 1"/>
+          <p:cNvSpPr>
+            <a:spLocks noGrp="1"/>
+          </p:cNvSpPr>
+          <p:nvPr>
+            <p:ph type="title"/>
+          </p:nvPr>
+        </p:nvSpPr>
+        <p:spPr/>
+        <p:txBody>
+          <a:bodyPr/>
+          <a:lstStyle/>
+          <a:p>
+            <a:r>
+              <a:rPr lang="en-US" dirty="0"/>
+              <a:t>Get-Command -Module Plaster</a:t>
+            </a:r>
+          </a:p>
+        </p:txBody>
+      </p:sp>
+      <p:sp>
+        <p:nvSpPr>
+          <p:cNvPr id="3" name="Content Placeholder 2"/>
+          <p:cNvSpPr>
+            <a:spLocks noGrp="1"/>
+          </p:cNvSpPr>
+          <p:nvPr>
+            <p:ph idx="1"/>
+          </p:nvPr>
+        </p:nvSpPr>
+        <p:spPr/>
+        <p:txBody>
+          <a:bodyPr/>
+          <a:lstStyle/>
+          <a:p>
+            <a:r>
+              <a:rPr lang="en-US" dirty="0" smtClean="0"/>
+              <a:t>Get-</a:t>
+            </a:r>
+            <a:r>
+              <a:rPr lang="en-US" dirty="0" err="1" smtClean="0"/>
+              <a:t>PlasterTemplate</a:t>
+            </a:r>
+            <a:endParaRPr lang="en-US" dirty="0" smtClean="0"/>
+          </a:p>
+          <a:p>
+            <a:r>
+              <a:rPr lang="en-US" dirty="0" smtClean="0"/>
+              <a:t>Invoke-Plaster</a:t>
+            </a:r>
+          </a:p>
+          <a:p>
+            <a:r>
+              <a:rPr lang="en-US" dirty="0" smtClean="0"/>
+              <a:t>New-</a:t>
+            </a:r>
+            <a:r>
+              <a:rPr lang="en-US" dirty="0" err="1" smtClean="0"/>
+              <a:t>PlasterManifest</a:t>
+            </a:r>
+            <a:endParaRPr lang="en-US" dirty="0" smtClean="0"/>
+          </a:p>
+          <a:p>
+            <a:r>
+              <a:rPr lang="en-US" dirty="0"/>
+              <a:t>Test-</a:t>
+            </a:r>
+            <a:r>
+              <a:rPr lang="en-US" dirty="0" err="1"/>
+              <a:t>PlasterManifest</a:t>
+            </a:r>
+            <a:endParaRPr lang="en-US" dirty="0"/>
+          </a:p>
+        </p:txBody>
+      </p:sp>
+    </p:spTree>
+    <p:extLst>
+      <p:ext uri="{BB962C8B-B14F-4D97-AF65-F5344CB8AC3E}">
+        <p14:creationId xmlns:p14="http://schemas.microsoft.com/office/powerpoint/2010/main" val="2074620803"/>
+      </p:ext>
+    </p:extLst>
+  </p:cSld>
+  <p:clrMapOvr>
+    <a:masterClrMapping/>
+  </p:clrMapOvr>
+  <p:timing>
+    <p:tnLst>
+      <p:par>
+        <p:cTn id="1" dur="indefinite" restart="never" nodeType="tmRoot"/>
+      </p:par>
+    </p:tnLst>
+  </p:timing>
 </p:sld>
 </file>
 
 <file path=ppt/theme/theme1.xml><?xml version="1.0" encoding="utf-8"?>
 <a:theme xmlns:a="http://schemas.openxmlformats.org/drawingml/2006/main" name="Mesh">
   <a:themeElements>
-    <a:clrScheme name="Mesh">
+    <a:clrScheme name="Blue Green">
       <a:dk1>
         <a:sysClr val="windowText" lastClr="000000"/>
       </a:dk1>
@@ -5779,34 +6195,34 @@
         <a:sysClr val="window" lastClr="FFFFFF"/>
       </a:lt1>
       <a:dk2>
-        <a:srgbClr val="363D46"/>
+        <a:srgbClr val="373545"/>
       </a:dk2>
       <a:lt2>
-        <a:srgbClr val="EBEBEB"/>
+        <a:srgbClr val="CEDBE6"/>
       </a:lt2>
       <a:accent1>
-        <a:srgbClr val="5AD0B8"/>
+        <a:srgbClr val="3494BA"/>
       </a:accent1>
       <a:accent2>
-        <a:srgbClr val="47BB7E"/>
+        <a:srgbClr val="58B6C0"/>
       </a:accent2>
       <a:accent3>
-        <a:srgbClr val="96CD4B"/>
+        <a:srgbClr val="75BDA7"/>
       </a:accent3>
       <a:accent4>
-        <a:srgbClr val="61C7DD"/>
+        <a:srgbClr val="7A8C8E"/>
       </a:accent4>
       <a:accent5>
-        <a:srgbClr val="2495CF"/>
+        <a:srgbClr val="84ACB6"/>
       </a:accent5>
       <a:accent6>
-        <a:srgbClr val="5A74D1"/>
+        <a:srgbClr val="2683C6"/>
       </a:accent6>
       <a:hlink>
-        <a:srgbClr val="72CEBB"/>
+        <a:srgbClr val="6B9F25"/>
       </a:hlink>
       <a:folHlink>
-        <a:srgbClr val="98E6D6"/>
+        <a:srgbClr val="9F6715"/>
       </a:folHlink>
     </a:clrScheme>
     <a:fontScheme name="Mesh">

--- a/Working with Plaster.pptx
+++ b/Working with Plaster.pptx
@@ -10,6 +10,10 @@
     <p:sldId id="257" r:id="rId4"/>
     <p:sldId id="259" r:id="rId5"/>
     <p:sldId id="260" r:id="rId6"/>
+    <p:sldId id="261" r:id="rId7"/>
+    <p:sldId id="262" r:id="rId8"/>
+    <p:sldId id="263" r:id="rId9"/>
+    <p:sldId id="264" r:id="rId10"/>
   </p:sldIdLst>
   <p:sldSz cx="12192000" cy="6858000"/>
   <p:notesSz cx="6858000" cy="9144000"/>
@@ -319,7 +323,7 @@
             <a:fld id="{B61BEF0D-F0BB-DE4B-95CE-6DB70DBA9567}" type="datetimeFigureOut">
               <a:rPr lang="en-US" smtClean="0"/>
               <a:pPr/>
-              <a:t>6/4/2017</a:t>
+              <a:t>6/5/2017</a:t>
             </a:fld>
             <a:endParaRPr lang="en-US" dirty="0"/>
           </a:p>
@@ -612,7 +616,7 @@
             <a:fld id="{B61BEF0D-F0BB-DE4B-95CE-6DB70DBA9567}" type="datetimeFigureOut">
               <a:rPr lang="en-US" smtClean="0"/>
               <a:pPr/>
-              <a:t>6/4/2017</a:t>
+              <a:t>6/5/2017</a:t>
             </a:fld>
             <a:endParaRPr lang="en-US" dirty="0"/>
           </a:p>
@@ -862,7 +866,7 @@
             <a:fld id="{B61BEF0D-F0BB-DE4B-95CE-6DB70DBA9567}" type="datetimeFigureOut">
               <a:rPr lang="en-US" smtClean="0"/>
               <a:pPr/>
-              <a:t>6/4/2017</a:t>
+              <a:t>6/5/2017</a:t>
             </a:fld>
             <a:endParaRPr lang="en-US" dirty="0"/>
           </a:p>
@@ -1400,7 +1404,7 @@
             <a:fld id="{B61BEF0D-F0BB-DE4B-95CE-6DB70DBA9567}" type="datetimeFigureOut">
               <a:rPr lang="en-US" smtClean="0"/>
               <a:pPr/>
-              <a:t>6/4/2017</a:t>
+              <a:t>6/5/2017</a:t>
             </a:fld>
             <a:endParaRPr lang="en-US" dirty="0"/>
           </a:p>
@@ -1650,7 +1654,7 @@
             <a:fld id="{B61BEF0D-F0BB-DE4B-95CE-6DB70DBA9567}" type="datetimeFigureOut">
               <a:rPr lang="en-US" smtClean="0"/>
               <a:pPr/>
-              <a:t>6/4/2017</a:t>
+              <a:t>6/5/2017</a:t>
             </a:fld>
             <a:endParaRPr lang="en-US" dirty="0"/>
           </a:p>
@@ -2195,7 +2199,7 @@
             <a:fld id="{B61BEF0D-F0BB-DE4B-95CE-6DB70DBA9567}" type="datetimeFigureOut">
               <a:rPr lang="en-US" smtClean="0"/>
               <a:pPr/>
-              <a:t>6/4/2017</a:t>
+              <a:t>6/5/2017</a:t>
             </a:fld>
             <a:endParaRPr lang="en-US" dirty="0"/>
           </a:p>
@@ -2507,7 +2511,7 @@
             <a:fld id="{B61BEF0D-F0BB-DE4B-95CE-6DB70DBA9567}" type="datetimeFigureOut">
               <a:rPr lang="en-US" smtClean="0"/>
               <a:pPr/>
-              <a:t>6/4/2017</a:t>
+              <a:t>6/5/2017</a:t>
             </a:fld>
             <a:endParaRPr lang="en-US" dirty="0"/>
           </a:p>
@@ -2684,7 +2688,7 @@
             <a:fld id="{B61BEF0D-F0BB-DE4B-95CE-6DB70DBA9567}" type="datetimeFigureOut">
               <a:rPr lang="en-US" smtClean="0"/>
               <a:pPr/>
-              <a:t>6/4/2017</a:t>
+              <a:t>6/5/2017</a:t>
             </a:fld>
             <a:endParaRPr lang="en-US" dirty="0"/>
           </a:p>
@@ -2866,7 +2870,7 @@
             <a:fld id="{B61BEF0D-F0BB-DE4B-95CE-6DB70DBA9567}" type="datetimeFigureOut">
               <a:rPr lang="en-US" smtClean="0"/>
               <a:pPr/>
-              <a:t>6/4/2017</a:t>
+              <a:t>6/5/2017</a:t>
             </a:fld>
             <a:endParaRPr lang="en-US" dirty="0"/>
           </a:p>
@@ -3038,7 +3042,7 @@
             <a:fld id="{B61BEF0D-F0BB-DE4B-95CE-6DB70DBA9567}" type="datetimeFigureOut">
               <a:rPr lang="en-US" smtClean="0"/>
               <a:pPr/>
-              <a:t>6/4/2017</a:t>
+              <a:t>6/5/2017</a:t>
             </a:fld>
             <a:endParaRPr lang="en-US" dirty="0"/>
           </a:p>
@@ -3286,7 +3290,7 @@
             <a:fld id="{B61BEF0D-F0BB-DE4B-95CE-6DB70DBA9567}" type="datetimeFigureOut">
               <a:rPr lang="en-US" smtClean="0"/>
               <a:pPr/>
-              <a:t>6/4/2017</a:t>
+              <a:t>6/5/2017</a:t>
             </a:fld>
             <a:endParaRPr lang="en-US" dirty="0"/>
           </a:p>
@@ -3580,7 +3584,7 @@
             <a:fld id="{B61BEF0D-F0BB-DE4B-95CE-6DB70DBA9567}" type="datetimeFigureOut">
               <a:rPr lang="en-US" smtClean="0"/>
               <a:pPr/>
-              <a:t>6/4/2017</a:t>
+              <a:t>6/5/2017</a:t>
             </a:fld>
             <a:endParaRPr lang="en-US" dirty="0"/>
           </a:p>
@@ -4012,7 +4016,7 @@
             <a:fld id="{B61BEF0D-F0BB-DE4B-95CE-6DB70DBA9567}" type="datetimeFigureOut">
               <a:rPr lang="en-US" smtClean="0"/>
               <a:pPr/>
-              <a:t>6/4/2017</a:t>
+              <a:t>6/5/2017</a:t>
             </a:fld>
             <a:endParaRPr lang="en-US" dirty="0"/>
           </a:p>
@@ -4137,7 +4141,7 @@
             <a:fld id="{B61BEF0D-F0BB-DE4B-95CE-6DB70DBA9567}" type="datetimeFigureOut">
               <a:rPr lang="en-US" smtClean="0"/>
               <a:pPr/>
-              <a:t>6/4/2017</a:t>
+              <a:t>6/5/2017</a:t>
             </a:fld>
             <a:endParaRPr lang="en-US" dirty="0"/>
           </a:p>
@@ -4234,7 +4238,7 @@
             <a:fld id="{B61BEF0D-F0BB-DE4B-95CE-6DB70DBA9567}" type="datetimeFigureOut">
               <a:rPr lang="en-US" smtClean="0"/>
               <a:pPr/>
-              <a:t>6/4/2017</a:t>
+              <a:t>6/5/2017</a:t>
             </a:fld>
             <a:endParaRPr lang="en-US" dirty="0"/>
           </a:p>
@@ -4519,7 +4523,7 @@
             <a:fld id="{B61BEF0D-F0BB-DE4B-95CE-6DB70DBA9567}" type="datetimeFigureOut">
               <a:rPr lang="en-US" smtClean="0"/>
               <a:pPr/>
-              <a:t>6/4/2017</a:t>
+              <a:t>6/5/2017</a:t>
             </a:fld>
             <a:endParaRPr lang="en-US" dirty="0"/>
           </a:p>
@@ -4812,7 +4816,7 @@
             <a:fld id="{B61BEF0D-F0BB-DE4B-95CE-6DB70DBA9567}" type="datetimeFigureOut">
               <a:rPr lang="en-US" smtClean="0"/>
               <a:pPr/>
-              <a:t>6/4/2017</a:t>
+              <a:t>6/5/2017</a:t>
             </a:fld>
             <a:endParaRPr lang="en-US" dirty="0"/>
           </a:p>
@@ -5045,7 +5049,7 @@
             <a:fld id="{B61BEF0D-F0BB-DE4B-95CE-6DB70DBA9567}" type="datetimeFigureOut">
               <a:rPr lang="en-US" smtClean="0"/>
               <a:pPr/>
-              <a:t>6/4/2017</a:t>
+              <a:t>6/5/2017</a:t>
             </a:fld>
             <a:endParaRPr lang="en-US" dirty="0"/>
           </a:p>
@@ -5828,8 +5832,51 @@
           <a:p>
             <a:r>
               <a:rPr lang="en-US" dirty="0" smtClean="0"/>
-              <a:t> </a:t>
-            </a:r>
+              <a:t>David Christian</a:t>
+            </a:r>
+          </a:p>
+          <a:p>
+            <a:r>
+              <a:rPr lang="en-US" dirty="0" smtClean="0"/>
+              <a:t>My Blog</a:t>
+            </a:r>
+          </a:p>
+          <a:p>
+            <a:pPr lvl="1"/>
+            <a:r>
+              <a:rPr lang="en-US" dirty="0" smtClean="0"/>
+              <a:t>OverPoweredShell.com </a:t>
+            </a:r>
+          </a:p>
+          <a:p>
+            <a:r>
+              <a:rPr lang="en-US" dirty="0" smtClean="0"/>
+              <a:t>GitHub / Twitter</a:t>
+            </a:r>
+          </a:p>
+          <a:p>
+            <a:pPr lvl="1"/>
+            <a:r>
+              <a:rPr lang="en-US" dirty="0" smtClean="0"/>
+              <a:t>Dchristian3188</a:t>
+            </a:r>
+          </a:p>
+          <a:p>
+            <a:r>
+              <a:rPr lang="en-US" dirty="0" smtClean="0"/>
+              <a:t>Southern California PowerShell User Group</a:t>
+            </a:r>
+          </a:p>
+          <a:p>
+            <a:pPr lvl="1"/>
+            <a:r>
+              <a:rPr lang="en-US" dirty="0" smtClean="0"/>
+              <a:t>socalowershell.org</a:t>
+            </a:r>
+            <a:endParaRPr lang="en-US" dirty="0" smtClean="0"/>
+          </a:p>
+          <a:p>
+            <a:pPr lvl="1"/>
             <a:endParaRPr lang="en-US" dirty="0" smtClean="0"/>
           </a:p>
         </p:txBody>
@@ -5943,7 +5990,6 @@
               <a:rPr lang="en-US" dirty="0" smtClean="0"/>
               <a:t>Examples</a:t>
             </a:r>
-            <a:endParaRPr lang="en-US" dirty="0" smtClean="0"/>
           </a:p>
         </p:txBody>
       </p:sp>
@@ -6024,11 +6070,7 @@
           <a:p>
             <a:r>
               <a:rPr lang="en-US" dirty="0" smtClean="0"/>
-              <a:t>Plast</a:t>
-            </a:r>
-            <a:r>
-              <a:rPr lang="en-US" dirty="0" smtClean="0"/>
-              <a:t>er is PowerShell Scaffolding</a:t>
+              <a:t>Plaster is PowerShell Scaffolding</a:t>
             </a:r>
           </a:p>
           <a:p>
@@ -6181,6 +6223,352 @@
       </p:par>
     </p:tnLst>
   </p:timing>
+</p:sld>
+</file>
+
+<file path=ppt/slides/slide6.xml><?xml version="1.0" encoding="utf-8"?>
+<p:sld xmlns:a="http://schemas.openxmlformats.org/drawingml/2006/main" xmlns:r="http://schemas.openxmlformats.org/officeDocument/2006/relationships" xmlns:p="http://schemas.openxmlformats.org/presentationml/2006/main">
+  <p:cSld>
+    <p:spTree>
+      <p:nvGrpSpPr>
+        <p:cNvPr id="1" name=""/>
+        <p:cNvGrpSpPr/>
+        <p:nvPr/>
+      </p:nvGrpSpPr>
+      <p:grpSpPr>
+        <a:xfrm>
+          <a:off x="0" y="0"/>
+          <a:ext cx="0" cy="0"/>
+          <a:chOff x="0" y="0"/>
+          <a:chExt cx="0" cy="0"/>
+        </a:xfrm>
+      </p:grpSpPr>
+      <p:sp>
+        <p:nvSpPr>
+          <p:cNvPr id="2" name="Title 1"/>
+          <p:cNvSpPr>
+            <a:spLocks noGrp="1"/>
+          </p:cNvSpPr>
+          <p:nvPr>
+            <p:ph type="title"/>
+          </p:nvPr>
+        </p:nvSpPr>
+        <p:spPr/>
+        <p:txBody>
+          <a:bodyPr/>
+          <a:lstStyle/>
+          <a:p>
+            <a:r>
+              <a:rPr lang="en-US" dirty="0" smtClean="0"/>
+              <a:t>DEMO </a:t>
+            </a:r>
+            <a:endParaRPr lang="en-US" dirty="0"/>
+          </a:p>
+        </p:txBody>
+      </p:sp>
+      <p:sp>
+        <p:nvSpPr>
+          <p:cNvPr id="5" name="Content Placeholder 4"/>
+          <p:cNvSpPr>
+            <a:spLocks noGrp="1"/>
+          </p:cNvSpPr>
+          <p:nvPr>
+            <p:ph idx="1"/>
+          </p:nvPr>
+        </p:nvSpPr>
+        <p:spPr/>
+        <p:txBody>
+          <a:bodyPr/>
+          <a:lstStyle/>
+          <a:p>
+            <a:r>
+              <a:rPr lang="en-US" dirty="0" smtClean="0"/>
+              <a:t>Using the default template</a:t>
+            </a:r>
+            <a:endParaRPr lang="en-US" dirty="0"/>
+          </a:p>
+        </p:txBody>
+      </p:sp>
+    </p:spTree>
+    <p:extLst>
+      <p:ext uri="{BB962C8B-B14F-4D97-AF65-F5344CB8AC3E}">
+        <p14:creationId xmlns:p14="http://schemas.microsoft.com/office/powerpoint/2010/main" val="3679810942"/>
+      </p:ext>
+    </p:extLst>
+  </p:cSld>
+  <p:clrMapOvr>
+    <a:masterClrMapping/>
+  </p:clrMapOvr>
+</p:sld>
+</file>
+
+<file path=ppt/slides/slide7.xml><?xml version="1.0" encoding="utf-8"?>
+<p:sld xmlns:a="http://schemas.openxmlformats.org/drawingml/2006/main" xmlns:r="http://schemas.openxmlformats.org/officeDocument/2006/relationships" xmlns:p="http://schemas.openxmlformats.org/presentationml/2006/main">
+  <p:cSld>
+    <p:spTree>
+      <p:nvGrpSpPr>
+        <p:cNvPr id="1" name=""/>
+        <p:cNvGrpSpPr/>
+        <p:nvPr/>
+      </p:nvGrpSpPr>
+      <p:grpSpPr>
+        <a:xfrm>
+          <a:off x="0" y="0"/>
+          <a:ext cx="0" cy="0"/>
+          <a:chOff x="0" y="0"/>
+          <a:chExt cx="0" cy="0"/>
+        </a:xfrm>
+      </p:grpSpPr>
+      <p:sp>
+        <p:nvSpPr>
+          <p:cNvPr id="2" name="Title 1"/>
+          <p:cNvSpPr>
+            <a:spLocks noGrp="1"/>
+          </p:cNvSpPr>
+          <p:nvPr>
+            <p:ph type="title"/>
+          </p:nvPr>
+        </p:nvSpPr>
+        <p:spPr/>
+        <p:txBody>
+          <a:bodyPr/>
+          <a:lstStyle/>
+          <a:p>
+            <a:r>
+              <a:rPr lang="en-US" dirty="0" smtClean="0"/>
+              <a:t>Making Our own Manifest</a:t>
+            </a:r>
+            <a:endParaRPr lang="en-US" dirty="0"/>
+          </a:p>
+        </p:txBody>
+      </p:sp>
+      <p:sp>
+        <p:nvSpPr>
+          <p:cNvPr id="3" name="Content Placeholder 2"/>
+          <p:cNvSpPr>
+            <a:spLocks noGrp="1"/>
+          </p:cNvSpPr>
+          <p:nvPr>
+            <p:ph idx="1"/>
+          </p:nvPr>
+        </p:nvSpPr>
+        <p:spPr/>
+        <p:txBody>
+          <a:bodyPr/>
+          <a:lstStyle/>
+          <a:p>
+            <a:r>
+              <a:rPr lang="en-US" dirty="0"/>
+              <a:t>Using the </a:t>
+            </a:r>
+            <a:r>
+              <a:rPr lang="en-US" dirty="0" smtClean="0"/>
+              <a:t>New-</a:t>
+            </a:r>
+            <a:r>
+              <a:rPr lang="en-US" dirty="0" err="1" smtClean="0"/>
+              <a:t>PlasterManifest</a:t>
+            </a:r>
+            <a:r>
+              <a:rPr lang="en-US" dirty="0" smtClean="0"/>
+              <a:t> cmdlet</a:t>
+            </a:r>
+            <a:endParaRPr lang="en-US" dirty="0"/>
+          </a:p>
+        </p:txBody>
+      </p:sp>
+    </p:spTree>
+    <p:extLst>
+      <p:ext uri="{BB962C8B-B14F-4D97-AF65-F5344CB8AC3E}">
+        <p14:creationId xmlns:p14="http://schemas.microsoft.com/office/powerpoint/2010/main" val="4102983495"/>
+      </p:ext>
+    </p:extLst>
+  </p:cSld>
+  <p:clrMapOvr>
+    <a:masterClrMapping/>
+  </p:clrMapOvr>
+</p:sld>
+</file>
+
+<file path=ppt/slides/slide8.xml><?xml version="1.0" encoding="utf-8"?>
+<p:sld xmlns:a="http://schemas.openxmlformats.org/drawingml/2006/main" xmlns:r="http://schemas.openxmlformats.org/officeDocument/2006/relationships" xmlns:p="http://schemas.openxmlformats.org/presentationml/2006/main">
+  <p:cSld>
+    <p:spTree>
+      <p:nvGrpSpPr>
+        <p:cNvPr id="1" name=""/>
+        <p:cNvGrpSpPr/>
+        <p:nvPr/>
+      </p:nvGrpSpPr>
+      <p:grpSpPr>
+        <a:xfrm>
+          <a:off x="0" y="0"/>
+          <a:ext cx="0" cy="0"/>
+          <a:chOff x="0" y="0"/>
+          <a:chExt cx="0" cy="0"/>
+        </a:xfrm>
+      </p:grpSpPr>
+      <p:sp>
+        <p:nvSpPr>
+          <p:cNvPr id="2" name="Title 1"/>
+          <p:cNvSpPr>
+            <a:spLocks noGrp="1"/>
+          </p:cNvSpPr>
+          <p:nvPr>
+            <p:ph type="title"/>
+          </p:nvPr>
+        </p:nvSpPr>
+        <p:spPr/>
+        <p:txBody>
+          <a:bodyPr/>
+          <a:lstStyle/>
+          <a:p>
+            <a:r>
+              <a:rPr lang="en-US" dirty="0" smtClean="0"/>
+              <a:t>Structure of a Manifest</a:t>
+            </a:r>
+            <a:endParaRPr lang="en-US" dirty="0"/>
+          </a:p>
+        </p:txBody>
+      </p:sp>
+      <p:sp>
+        <p:nvSpPr>
+          <p:cNvPr id="3" name="Content Placeholder 2"/>
+          <p:cNvSpPr>
+            <a:spLocks noGrp="1"/>
+          </p:cNvSpPr>
+          <p:nvPr>
+            <p:ph idx="1"/>
+          </p:nvPr>
+        </p:nvSpPr>
+        <p:spPr/>
+        <p:txBody>
+          <a:bodyPr/>
+          <a:lstStyle/>
+          <a:p>
+            <a:r>
+              <a:rPr lang="en-US" dirty="0">
+                <a:effectLst/>
+              </a:rPr>
+              <a:t>Metadata </a:t>
+            </a:r>
+            <a:endParaRPr lang="en-US" dirty="0" smtClean="0">
+              <a:effectLst/>
+            </a:endParaRPr>
+          </a:p>
+          <a:p>
+            <a:r>
+              <a:rPr lang="en-US" dirty="0">
+                <a:effectLst/>
+              </a:rPr>
+              <a:t>Parameters </a:t>
+            </a:r>
+            <a:endParaRPr lang="en-US" dirty="0" smtClean="0">
+              <a:effectLst/>
+            </a:endParaRPr>
+          </a:p>
+          <a:p>
+            <a:r>
+              <a:rPr lang="en-US" dirty="0">
+                <a:effectLst/>
+              </a:rPr>
+              <a:t>Content </a:t>
+            </a:r>
+            <a:endParaRPr lang="en-US" dirty="0"/>
+          </a:p>
+        </p:txBody>
+      </p:sp>
+    </p:spTree>
+    <p:extLst>
+      <p:ext uri="{BB962C8B-B14F-4D97-AF65-F5344CB8AC3E}">
+        <p14:creationId xmlns:p14="http://schemas.microsoft.com/office/powerpoint/2010/main" val="1040514997"/>
+      </p:ext>
+    </p:extLst>
+  </p:cSld>
+  <p:clrMapOvr>
+    <a:masterClrMapping/>
+  </p:clrMapOvr>
+</p:sld>
+</file>
+
+<file path=ppt/slides/slide9.xml><?xml version="1.0" encoding="utf-8"?>
+<p:sld xmlns:a="http://schemas.openxmlformats.org/drawingml/2006/main" xmlns:r="http://schemas.openxmlformats.org/officeDocument/2006/relationships" xmlns:p="http://schemas.openxmlformats.org/presentationml/2006/main">
+  <p:cSld>
+    <p:spTree>
+      <p:nvGrpSpPr>
+        <p:cNvPr id="1" name=""/>
+        <p:cNvGrpSpPr/>
+        <p:nvPr/>
+      </p:nvGrpSpPr>
+      <p:grpSpPr>
+        <a:xfrm>
+          <a:off x="0" y="0"/>
+          <a:ext cx="0" cy="0"/>
+          <a:chOff x="0" y="0"/>
+          <a:chExt cx="0" cy="0"/>
+        </a:xfrm>
+      </p:grpSpPr>
+      <p:sp>
+        <p:nvSpPr>
+          <p:cNvPr id="2" name="Title 1"/>
+          <p:cNvSpPr>
+            <a:spLocks noGrp="1"/>
+          </p:cNvSpPr>
+          <p:nvPr>
+            <p:ph type="title"/>
+          </p:nvPr>
+        </p:nvSpPr>
+        <p:spPr/>
+        <p:txBody>
+          <a:bodyPr/>
+          <a:lstStyle/>
+          <a:p>
+            <a:r>
+              <a:rPr lang="en-US" dirty="0" err="1" smtClean="0"/>
+              <a:t>Meatadata</a:t>
+            </a:r>
+            <a:endParaRPr lang="en-US" dirty="0"/>
+          </a:p>
+        </p:txBody>
+      </p:sp>
+      <p:sp>
+        <p:nvSpPr>
+          <p:cNvPr id="3" name="Content Placeholder 2"/>
+          <p:cNvSpPr>
+            <a:spLocks noGrp="1"/>
+          </p:cNvSpPr>
+          <p:nvPr>
+            <p:ph idx="1"/>
+          </p:nvPr>
+        </p:nvSpPr>
+        <p:spPr/>
+        <p:txBody>
+          <a:bodyPr/>
+          <a:lstStyle/>
+          <a:p>
+            <a:r>
+              <a:rPr lang="en-US" dirty="0" smtClean="0"/>
+              <a:t>Information about the manifest</a:t>
+            </a:r>
+          </a:p>
+          <a:p>
+            <a:r>
+              <a:rPr lang="en-US" dirty="0" smtClean="0"/>
+              <a:t>Easy – built in cmdlet to generate this section</a:t>
+            </a:r>
+            <a:endParaRPr lang="en-US" dirty="0"/>
+          </a:p>
+        </p:txBody>
+      </p:sp>
+    </p:spTree>
+    <p:extLst>
+      <p:ext uri="{BB962C8B-B14F-4D97-AF65-F5344CB8AC3E}">
+        <p14:creationId xmlns:p14="http://schemas.microsoft.com/office/powerpoint/2010/main" val="2251879330"/>
+      </p:ext>
+    </p:extLst>
+  </p:cSld>
+  <p:clrMapOvr>
+    <a:masterClrMapping/>
+  </p:clrMapOvr>
 </p:sld>
 </file>
 

--- a/Working with Plaster.pptx
+++ b/Working with Plaster.pptx
@@ -14,6 +14,7 @@
     <p:sldId id="262" r:id="rId8"/>
     <p:sldId id="263" r:id="rId9"/>
     <p:sldId id="264" r:id="rId10"/>
+    <p:sldId id="265" r:id="rId11"/>
   </p:sldIdLst>
   <p:sldSz cx="12192000" cy="6858000"/>
   <p:notesSz cx="6858000" cy="9144000"/>
@@ -113,6 +114,28 @@
     </a:lvl9pPr>
   </p:defaultTextStyle>
   <p:extLst>
+    <p:ext uri="{521415D9-36F7-43E2-AB2F-B90AF26B5E84}">
+      <p14:sectionLst xmlns:p14="http://schemas.microsoft.com/office/powerpoint/2010/main">
+        <p14:section name="Default Section" id="{1A3BA558-3C45-473B-8D0D-B479C0A1130A}">
+          <p14:sldIdLst>
+            <p14:sldId id="256"/>
+            <p14:sldId id="258"/>
+            <p14:sldId id="257"/>
+            <p14:sldId id="259"/>
+            <p14:sldId id="260"/>
+            <p14:sldId id="261"/>
+            <p14:sldId id="262"/>
+            <p14:sldId id="263"/>
+          </p14:sldIdLst>
+        </p14:section>
+        <p14:section name="Untitled Section" id="{CFBAC81D-1305-4E12-A124-02673A8C07D9}">
+          <p14:sldIdLst>
+            <p14:sldId id="264"/>
+            <p14:sldId id="265"/>
+          </p14:sldIdLst>
+        </p14:section>
+      </p14:sectionLst>
+    </p:ext>
     <p:ext uri="{EFAFB233-063F-42B5-8137-9DF3F51BA10A}">
       <p15:sldGuideLst xmlns:p15="http://schemas.microsoft.com/office/powerpoint/2012/main"/>
     </p:ext>
@@ -323,7 +346,7 @@
             <a:fld id="{B61BEF0D-F0BB-DE4B-95CE-6DB70DBA9567}" type="datetimeFigureOut">
               <a:rPr lang="en-US" smtClean="0"/>
               <a:pPr/>
-              <a:t>6/5/2017</a:t>
+              <a:t>6/6/2017</a:t>
             </a:fld>
             <a:endParaRPr lang="en-US" dirty="0"/>
           </a:p>
@@ -616,7 +639,7 @@
             <a:fld id="{B61BEF0D-F0BB-DE4B-95CE-6DB70DBA9567}" type="datetimeFigureOut">
               <a:rPr lang="en-US" smtClean="0"/>
               <a:pPr/>
-              <a:t>6/5/2017</a:t>
+              <a:t>6/6/2017</a:t>
             </a:fld>
             <a:endParaRPr lang="en-US" dirty="0"/>
           </a:p>
@@ -866,7 +889,7 @@
             <a:fld id="{B61BEF0D-F0BB-DE4B-95CE-6DB70DBA9567}" type="datetimeFigureOut">
               <a:rPr lang="en-US" smtClean="0"/>
               <a:pPr/>
-              <a:t>6/5/2017</a:t>
+              <a:t>6/6/2017</a:t>
             </a:fld>
             <a:endParaRPr lang="en-US" dirty="0"/>
           </a:p>
@@ -1404,7 +1427,7 @@
             <a:fld id="{B61BEF0D-F0BB-DE4B-95CE-6DB70DBA9567}" type="datetimeFigureOut">
               <a:rPr lang="en-US" smtClean="0"/>
               <a:pPr/>
-              <a:t>6/5/2017</a:t>
+              <a:t>6/6/2017</a:t>
             </a:fld>
             <a:endParaRPr lang="en-US" dirty="0"/>
           </a:p>
@@ -1654,7 +1677,7 @@
             <a:fld id="{B61BEF0D-F0BB-DE4B-95CE-6DB70DBA9567}" type="datetimeFigureOut">
               <a:rPr lang="en-US" smtClean="0"/>
               <a:pPr/>
-              <a:t>6/5/2017</a:t>
+              <a:t>6/6/2017</a:t>
             </a:fld>
             <a:endParaRPr lang="en-US" dirty="0"/>
           </a:p>
@@ -2199,7 +2222,7 @@
             <a:fld id="{B61BEF0D-F0BB-DE4B-95CE-6DB70DBA9567}" type="datetimeFigureOut">
               <a:rPr lang="en-US" smtClean="0"/>
               <a:pPr/>
-              <a:t>6/5/2017</a:t>
+              <a:t>6/6/2017</a:t>
             </a:fld>
             <a:endParaRPr lang="en-US" dirty="0"/>
           </a:p>
@@ -2511,7 +2534,7 @@
             <a:fld id="{B61BEF0D-F0BB-DE4B-95CE-6DB70DBA9567}" type="datetimeFigureOut">
               <a:rPr lang="en-US" smtClean="0"/>
               <a:pPr/>
-              <a:t>6/5/2017</a:t>
+              <a:t>6/6/2017</a:t>
             </a:fld>
             <a:endParaRPr lang="en-US" dirty="0"/>
           </a:p>
@@ -2688,7 +2711,7 @@
             <a:fld id="{B61BEF0D-F0BB-DE4B-95CE-6DB70DBA9567}" type="datetimeFigureOut">
               <a:rPr lang="en-US" smtClean="0"/>
               <a:pPr/>
-              <a:t>6/5/2017</a:t>
+              <a:t>6/6/2017</a:t>
             </a:fld>
             <a:endParaRPr lang="en-US" dirty="0"/>
           </a:p>
@@ -2870,7 +2893,7 @@
             <a:fld id="{B61BEF0D-F0BB-DE4B-95CE-6DB70DBA9567}" type="datetimeFigureOut">
               <a:rPr lang="en-US" smtClean="0"/>
               <a:pPr/>
-              <a:t>6/5/2017</a:t>
+              <a:t>6/6/2017</a:t>
             </a:fld>
             <a:endParaRPr lang="en-US" dirty="0"/>
           </a:p>
@@ -3042,7 +3065,7 @@
             <a:fld id="{B61BEF0D-F0BB-DE4B-95CE-6DB70DBA9567}" type="datetimeFigureOut">
               <a:rPr lang="en-US" smtClean="0"/>
               <a:pPr/>
-              <a:t>6/5/2017</a:t>
+              <a:t>6/6/2017</a:t>
             </a:fld>
             <a:endParaRPr lang="en-US" dirty="0"/>
           </a:p>
@@ -3290,7 +3313,7 @@
             <a:fld id="{B61BEF0D-F0BB-DE4B-95CE-6DB70DBA9567}" type="datetimeFigureOut">
               <a:rPr lang="en-US" smtClean="0"/>
               <a:pPr/>
-              <a:t>6/5/2017</a:t>
+              <a:t>6/6/2017</a:t>
             </a:fld>
             <a:endParaRPr lang="en-US" dirty="0"/>
           </a:p>
@@ -3584,7 +3607,7 @@
             <a:fld id="{B61BEF0D-F0BB-DE4B-95CE-6DB70DBA9567}" type="datetimeFigureOut">
               <a:rPr lang="en-US" smtClean="0"/>
               <a:pPr/>
-              <a:t>6/5/2017</a:t>
+              <a:t>6/6/2017</a:t>
             </a:fld>
             <a:endParaRPr lang="en-US" dirty="0"/>
           </a:p>
@@ -4016,7 +4039,7 @@
             <a:fld id="{B61BEF0D-F0BB-DE4B-95CE-6DB70DBA9567}" type="datetimeFigureOut">
               <a:rPr lang="en-US" smtClean="0"/>
               <a:pPr/>
-              <a:t>6/5/2017</a:t>
+              <a:t>6/6/2017</a:t>
             </a:fld>
             <a:endParaRPr lang="en-US" dirty="0"/>
           </a:p>
@@ -4141,7 +4164,7 @@
             <a:fld id="{B61BEF0D-F0BB-DE4B-95CE-6DB70DBA9567}" type="datetimeFigureOut">
               <a:rPr lang="en-US" smtClean="0"/>
               <a:pPr/>
-              <a:t>6/5/2017</a:t>
+              <a:t>6/6/2017</a:t>
             </a:fld>
             <a:endParaRPr lang="en-US" dirty="0"/>
           </a:p>
@@ -4238,7 +4261,7 @@
             <a:fld id="{B61BEF0D-F0BB-DE4B-95CE-6DB70DBA9567}" type="datetimeFigureOut">
               <a:rPr lang="en-US" smtClean="0"/>
               <a:pPr/>
-              <a:t>6/5/2017</a:t>
+              <a:t>6/6/2017</a:t>
             </a:fld>
             <a:endParaRPr lang="en-US" dirty="0"/>
           </a:p>
@@ -4523,7 +4546,7 @@
             <a:fld id="{B61BEF0D-F0BB-DE4B-95CE-6DB70DBA9567}" type="datetimeFigureOut">
               <a:rPr lang="en-US" smtClean="0"/>
               <a:pPr/>
-              <a:t>6/5/2017</a:t>
+              <a:t>6/6/2017</a:t>
             </a:fld>
             <a:endParaRPr lang="en-US" dirty="0"/>
           </a:p>
@@ -4816,7 +4839,7 @@
             <a:fld id="{B61BEF0D-F0BB-DE4B-95CE-6DB70DBA9567}" type="datetimeFigureOut">
               <a:rPr lang="en-US" smtClean="0"/>
               <a:pPr/>
-              <a:t>6/5/2017</a:t>
+              <a:t>6/6/2017</a:t>
             </a:fld>
             <a:endParaRPr lang="en-US" dirty="0"/>
           </a:p>
@@ -5049,7 +5072,7 @@
             <a:fld id="{B61BEF0D-F0BB-DE4B-95CE-6DB70DBA9567}" type="datetimeFigureOut">
               <a:rPr lang="en-US" smtClean="0"/>
               <a:pPr/>
-              <a:t>6/5/2017</a:t>
+              <a:t>6/6/2017</a:t>
             </a:fld>
             <a:endParaRPr lang="en-US" dirty="0"/>
           </a:p>
@@ -5775,6 +5798,88 @@
 </p:sld>
 </file>
 
+<file path=ppt/slides/slide10.xml><?xml version="1.0" encoding="utf-8"?>
+<p:sld xmlns:a="http://schemas.openxmlformats.org/drawingml/2006/main" xmlns:r="http://schemas.openxmlformats.org/officeDocument/2006/relationships" xmlns:p="http://schemas.openxmlformats.org/presentationml/2006/main">
+  <p:cSld>
+    <p:spTree>
+      <p:nvGrpSpPr>
+        <p:cNvPr id="1" name=""/>
+        <p:cNvGrpSpPr/>
+        <p:nvPr/>
+      </p:nvGrpSpPr>
+      <p:grpSpPr>
+        <a:xfrm>
+          <a:off x="0" y="0"/>
+          <a:ext cx="0" cy="0"/>
+          <a:chOff x="0" y="0"/>
+          <a:chExt cx="0" cy="0"/>
+        </a:xfrm>
+      </p:grpSpPr>
+      <p:sp>
+        <p:nvSpPr>
+          <p:cNvPr id="2" name="Title 1"/>
+          <p:cNvSpPr>
+            <a:spLocks noGrp="1"/>
+          </p:cNvSpPr>
+          <p:nvPr>
+            <p:ph type="title"/>
+          </p:nvPr>
+        </p:nvSpPr>
+        <p:spPr/>
+        <p:txBody>
+          <a:bodyPr/>
+          <a:lstStyle/>
+          <a:p>
+            <a:r>
+              <a:rPr lang="en-US" dirty="0" smtClean="0"/>
+              <a:t>Parameters</a:t>
+            </a:r>
+            <a:endParaRPr lang="en-US" dirty="0"/>
+          </a:p>
+        </p:txBody>
+      </p:sp>
+      <p:sp>
+        <p:nvSpPr>
+          <p:cNvPr id="3" name="Content Placeholder 2"/>
+          <p:cNvSpPr>
+            <a:spLocks noGrp="1"/>
+          </p:cNvSpPr>
+          <p:nvPr>
+            <p:ph idx="1"/>
+          </p:nvPr>
+        </p:nvSpPr>
+        <p:spPr/>
+        <p:txBody>
+          <a:bodyPr/>
+          <a:lstStyle/>
+          <a:p>
+            <a:r>
+              <a:rPr lang="en-US" dirty="0" smtClean="0"/>
+              <a:t>Each parameter is a prompt to our user.</a:t>
+            </a:r>
+          </a:p>
+          <a:p>
+            <a:r>
+              <a:rPr lang="en-US" dirty="0" smtClean="0"/>
+              <a:t>Each parameter creates a variable</a:t>
+            </a:r>
+            <a:endParaRPr lang="en-US" dirty="0"/>
+          </a:p>
+        </p:txBody>
+      </p:sp>
+    </p:spTree>
+    <p:extLst>
+      <p:ext uri="{BB962C8B-B14F-4D97-AF65-F5344CB8AC3E}">
+        <p14:creationId xmlns:p14="http://schemas.microsoft.com/office/powerpoint/2010/main" val="2804655392"/>
+      </p:ext>
+    </p:extLst>
+  </p:cSld>
+  <p:clrMapOvr>
+    <a:masterClrMapping/>
+  </p:clrMapOvr>
+</p:sld>
+</file>
+
 <file path=ppt/slides/slide2.xml><?xml version="1.0" encoding="utf-8"?>
 <p:sld xmlns:a="http://schemas.openxmlformats.org/drawingml/2006/main" xmlns:r="http://schemas.openxmlformats.org/officeDocument/2006/relationships" xmlns:p="http://schemas.openxmlformats.org/presentationml/2006/main">
   <p:cSld>
@@ -5873,7 +5978,6 @@
               <a:rPr lang="en-US" dirty="0" smtClean="0"/>
               <a:t>socalowershell.org</a:t>
             </a:r>
-            <a:endParaRPr lang="en-US" dirty="0" smtClean="0"/>
           </a:p>
           <a:p>
             <a:pPr lvl="1"/>
@@ -6299,6 +6403,13 @@
   <p:clrMapOvr>
     <a:masterClrMapping/>
   </p:clrMapOvr>
+  <p:timing>
+    <p:tnLst>
+      <p:par>
+        <p:cTn id="1" dur="indefinite" restart="never" nodeType="tmRoot"/>
+      </p:par>
+    </p:tnLst>
+  </p:timing>
 </p:sld>
 </file>
 
@@ -6387,6 +6498,13 @@
   <p:clrMapOvr>
     <a:masterClrMapping/>
   </p:clrMapOvr>
+  <p:timing>
+    <p:tnLst>
+      <p:par>
+        <p:cTn id="1" dur="indefinite" restart="never" nodeType="tmRoot"/>
+      </p:par>
+    </p:tnLst>
+  </p:timing>
 </p:sld>
 </file>
 
@@ -6487,6 +6605,13 @@
   <p:clrMapOvr>
     <a:masterClrMapping/>
   </p:clrMapOvr>
+  <p:timing>
+    <p:tnLst>
+      <p:par>
+        <p:cTn id="1" dur="indefinite" restart="never" nodeType="tmRoot"/>
+      </p:par>
+    </p:tnLst>
+  </p:timing>
 </p:sld>
 </file>
 
@@ -6569,6 +6694,13 @@
   <p:clrMapOvr>
     <a:masterClrMapping/>
   </p:clrMapOvr>
+  <p:timing>
+    <p:tnLst>
+      <p:par>
+        <p:cTn id="1" dur="indefinite" restart="never" nodeType="tmRoot"/>
+      </p:par>
+    </p:tnLst>
+  </p:timing>
 </p:sld>
 </file>
 

--- a/Working with Plaster.pptx
+++ b/Working with Plaster.pptx
@@ -15,6 +15,9 @@
     <p:sldId id="263" r:id="rId9"/>
     <p:sldId id="264" r:id="rId10"/>
     <p:sldId id="265" r:id="rId11"/>
+    <p:sldId id="266" r:id="rId12"/>
+    <p:sldId id="267" r:id="rId13"/>
+    <p:sldId id="268" r:id="rId14"/>
   </p:sldIdLst>
   <p:sldSz cx="12192000" cy="6858000"/>
   <p:notesSz cx="6858000" cy="9144000"/>
@@ -132,6 +135,9 @@
           <p14:sldIdLst>
             <p14:sldId id="264"/>
             <p14:sldId id="265"/>
+            <p14:sldId id="266"/>
+            <p14:sldId id="267"/>
+            <p14:sldId id="268"/>
           </p14:sldIdLst>
         </p14:section>
       </p14:sectionLst>
@@ -5861,9 +5867,12 @@
           <a:p>
             <a:r>
               <a:rPr lang="en-US" dirty="0" smtClean="0"/>
-              <a:t>Each parameter creates a variable</a:t>
-            </a:r>
-            <a:endParaRPr lang="en-US" dirty="0"/>
+              <a:t>Each parameter creates a </a:t>
+            </a:r>
+            <a:r>
+              <a:rPr lang="en-US" dirty="0" smtClean="0"/>
+              <a:t>variable</a:t>
+            </a:r>
           </a:p>
         </p:txBody>
       </p:sp>
@@ -5871,6 +5880,236 @@
     <p:extLst>
       <p:ext uri="{BB962C8B-B14F-4D97-AF65-F5344CB8AC3E}">
         <p14:creationId xmlns:p14="http://schemas.microsoft.com/office/powerpoint/2010/main" val="2804655392"/>
+      </p:ext>
+    </p:extLst>
+  </p:cSld>
+  <p:clrMapOvr>
+    <a:masterClrMapping/>
+  </p:clrMapOvr>
+</p:sld>
+</file>
+
+<file path=ppt/slides/slide11.xml><?xml version="1.0" encoding="utf-8"?>
+<p:sld xmlns:a="http://schemas.openxmlformats.org/drawingml/2006/main" xmlns:r="http://schemas.openxmlformats.org/officeDocument/2006/relationships" xmlns:p="http://schemas.openxmlformats.org/presentationml/2006/main">
+  <p:cSld>
+    <p:spTree>
+      <p:nvGrpSpPr>
+        <p:cNvPr id="1" name=""/>
+        <p:cNvGrpSpPr/>
+        <p:nvPr/>
+      </p:nvGrpSpPr>
+      <p:grpSpPr>
+        <a:xfrm>
+          <a:off x="0" y="0"/>
+          <a:ext cx="0" cy="0"/>
+          <a:chOff x="0" y="0"/>
+          <a:chExt cx="0" cy="0"/>
+        </a:xfrm>
+      </p:grpSpPr>
+      <p:sp>
+        <p:nvSpPr>
+          <p:cNvPr id="2" name="Title 1"/>
+          <p:cNvSpPr>
+            <a:spLocks noGrp="1"/>
+          </p:cNvSpPr>
+          <p:nvPr>
+            <p:ph type="title"/>
+          </p:nvPr>
+        </p:nvSpPr>
+        <p:spPr/>
+        <p:txBody>
+          <a:bodyPr/>
+          <a:lstStyle/>
+          <a:p>
+            <a:r>
+              <a:rPr lang="en-US" dirty="0" smtClean="0"/>
+              <a:t>Reading input</a:t>
+            </a:r>
+            <a:endParaRPr lang="en-US" dirty="0"/>
+          </a:p>
+        </p:txBody>
+      </p:sp>
+      <p:sp>
+        <p:nvSpPr>
+          <p:cNvPr id="3" name="Content Placeholder 2"/>
+          <p:cNvSpPr>
+            <a:spLocks noGrp="1"/>
+          </p:cNvSpPr>
+          <p:nvPr>
+            <p:ph idx="1"/>
+          </p:nvPr>
+        </p:nvSpPr>
+        <p:spPr/>
+        <p:txBody>
+          <a:bodyPr/>
+          <a:lstStyle/>
+          <a:p>
+            <a:r>
+              <a:rPr lang="en-US" dirty="0" smtClean="0"/>
+              <a:t>Type = text</a:t>
+            </a:r>
+          </a:p>
+          <a:p>
+            <a:r>
+              <a:rPr lang="en-US" dirty="0" smtClean="0"/>
+              <a:t>Creates a string variable</a:t>
+            </a:r>
+          </a:p>
+          <a:p>
+            <a:endParaRPr lang="en-US" dirty="0"/>
+          </a:p>
+        </p:txBody>
+      </p:sp>
+    </p:spTree>
+    <p:extLst>
+      <p:ext uri="{BB962C8B-B14F-4D97-AF65-F5344CB8AC3E}">
+        <p14:creationId xmlns:p14="http://schemas.microsoft.com/office/powerpoint/2010/main" val="370364037"/>
+      </p:ext>
+    </p:extLst>
+  </p:cSld>
+  <p:clrMapOvr>
+    <a:masterClrMapping/>
+  </p:clrMapOvr>
+</p:sld>
+</file>
+
+<file path=ppt/slides/slide12.xml><?xml version="1.0" encoding="utf-8"?>
+<p:sld xmlns:a="http://schemas.openxmlformats.org/drawingml/2006/main" xmlns:r="http://schemas.openxmlformats.org/officeDocument/2006/relationships" xmlns:p="http://schemas.openxmlformats.org/presentationml/2006/main">
+  <p:cSld>
+    <p:spTree>
+      <p:nvGrpSpPr>
+        <p:cNvPr id="1" name=""/>
+        <p:cNvGrpSpPr/>
+        <p:nvPr/>
+      </p:nvGrpSpPr>
+      <p:grpSpPr>
+        <a:xfrm>
+          <a:off x="0" y="0"/>
+          <a:ext cx="0" cy="0"/>
+          <a:chOff x="0" y="0"/>
+          <a:chExt cx="0" cy="0"/>
+        </a:xfrm>
+      </p:grpSpPr>
+      <p:sp>
+        <p:nvSpPr>
+          <p:cNvPr id="2" name="Title 1"/>
+          <p:cNvSpPr>
+            <a:spLocks noGrp="1"/>
+          </p:cNvSpPr>
+          <p:nvPr>
+            <p:ph type="title"/>
+          </p:nvPr>
+        </p:nvSpPr>
+        <p:spPr/>
+        <p:txBody>
+          <a:bodyPr/>
+          <a:lstStyle/>
+          <a:p>
+            <a:r>
+              <a:rPr lang="en-US" dirty="0" smtClean="0"/>
+              <a:t>Choice Type parameter	</a:t>
+            </a:r>
+            <a:endParaRPr lang="en-US" dirty="0"/>
+          </a:p>
+        </p:txBody>
+      </p:sp>
+      <p:sp>
+        <p:nvSpPr>
+          <p:cNvPr id="3" name="Content Placeholder 2"/>
+          <p:cNvSpPr>
+            <a:spLocks noGrp="1"/>
+          </p:cNvSpPr>
+          <p:nvPr>
+            <p:ph idx="1"/>
+          </p:nvPr>
+        </p:nvSpPr>
+        <p:spPr/>
+        <p:txBody>
+          <a:bodyPr/>
+          <a:lstStyle/>
+          <a:p>
+            <a:r>
+              <a:rPr lang="en-US" dirty="0" smtClean="0"/>
+              <a:t>Single choice to end use</a:t>
+            </a:r>
+          </a:p>
+          <a:p>
+            <a:endParaRPr lang="en-US" dirty="0"/>
+          </a:p>
+        </p:txBody>
+      </p:sp>
+    </p:spTree>
+    <p:extLst>
+      <p:ext uri="{BB962C8B-B14F-4D97-AF65-F5344CB8AC3E}">
+        <p14:creationId xmlns:p14="http://schemas.microsoft.com/office/powerpoint/2010/main" val="3989553350"/>
+      </p:ext>
+    </p:extLst>
+  </p:cSld>
+  <p:clrMapOvr>
+    <a:masterClrMapping/>
+  </p:clrMapOvr>
+</p:sld>
+</file>
+
+<file path=ppt/slides/slide13.xml><?xml version="1.0" encoding="utf-8"?>
+<p:sld xmlns:a="http://schemas.openxmlformats.org/drawingml/2006/main" xmlns:r="http://schemas.openxmlformats.org/officeDocument/2006/relationships" xmlns:p="http://schemas.openxmlformats.org/presentationml/2006/main">
+  <p:cSld>
+    <p:spTree>
+      <p:nvGrpSpPr>
+        <p:cNvPr id="1" name=""/>
+        <p:cNvGrpSpPr/>
+        <p:nvPr/>
+      </p:nvGrpSpPr>
+      <p:grpSpPr>
+        <a:xfrm>
+          <a:off x="0" y="0"/>
+          <a:ext cx="0" cy="0"/>
+          <a:chOff x="0" y="0"/>
+          <a:chExt cx="0" cy="0"/>
+        </a:xfrm>
+      </p:grpSpPr>
+      <p:sp>
+        <p:nvSpPr>
+          <p:cNvPr id="2" name="Title 1"/>
+          <p:cNvSpPr>
+            <a:spLocks noGrp="1"/>
+          </p:cNvSpPr>
+          <p:nvPr>
+            <p:ph type="title"/>
+          </p:nvPr>
+        </p:nvSpPr>
+        <p:spPr/>
+        <p:txBody>
+          <a:bodyPr/>
+          <a:lstStyle/>
+          <a:p>
+            <a:endParaRPr lang="en-US"/>
+          </a:p>
+        </p:txBody>
+      </p:sp>
+      <p:sp>
+        <p:nvSpPr>
+          <p:cNvPr id="3" name="Content Placeholder 2"/>
+          <p:cNvSpPr>
+            <a:spLocks noGrp="1"/>
+          </p:cNvSpPr>
+          <p:nvPr>
+            <p:ph idx="1"/>
+          </p:nvPr>
+        </p:nvSpPr>
+        <p:spPr/>
+        <p:txBody>
+          <a:bodyPr/>
+          <a:lstStyle/>
+          <a:p>
+            <a:endParaRPr lang="en-US"/>
+          </a:p>
+        </p:txBody>
+      </p:sp>
+    </p:spTree>
+    <p:extLst>
+      <p:ext uri="{BB962C8B-B14F-4D97-AF65-F5344CB8AC3E}">
+        <p14:creationId xmlns:p14="http://schemas.microsoft.com/office/powerpoint/2010/main" val="4037276318"/>
       </p:ext>
     </p:extLst>
   </p:cSld>

--- a/Working with Plaster.pptx
+++ b/Working with Plaster.pptx
@@ -16,8 +16,16 @@
     <p:sldId id="264" r:id="rId10"/>
     <p:sldId id="265" r:id="rId11"/>
     <p:sldId id="266" r:id="rId12"/>
-    <p:sldId id="267" r:id="rId13"/>
-    <p:sldId id="268" r:id="rId14"/>
+    <p:sldId id="269" r:id="rId13"/>
+    <p:sldId id="267" r:id="rId14"/>
+    <p:sldId id="268" r:id="rId15"/>
+    <p:sldId id="272" r:id="rId16"/>
+    <p:sldId id="270" r:id="rId17"/>
+    <p:sldId id="273" r:id="rId18"/>
+    <p:sldId id="274" r:id="rId19"/>
+    <p:sldId id="271" r:id="rId20"/>
+    <p:sldId id="275" r:id="rId21"/>
+    <p:sldId id="276" r:id="rId22"/>
   </p:sldIdLst>
   <p:sldSz cx="12192000" cy="6858000"/>
   <p:notesSz cx="6858000" cy="9144000"/>
@@ -136,8 +144,20 @@
             <p14:sldId id="264"/>
             <p14:sldId id="265"/>
             <p14:sldId id="266"/>
+            <p14:sldId id="269"/>
             <p14:sldId id="267"/>
             <p14:sldId id="268"/>
+            <p14:sldId id="272"/>
+            <p14:sldId id="270"/>
+          </p14:sldIdLst>
+        </p14:section>
+        <p14:section name="Untitled Section" id="{65A5E5DD-956C-48DB-954F-BC7E24FF4E9B}">
+          <p14:sldIdLst>
+            <p14:sldId id="273"/>
+            <p14:sldId id="274"/>
+            <p14:sldId id="271"/>
+            <p14:sldId id="275"/>
+            <p14:sldId id="276"/>
           </p14:sldIdLst>
         </p14:section>
       </p14:sectionLst>
@@ -352,7 +372,7 @@
             <a:fld id="{B61BEF0D-F0BB-DE4B-95CE-6DB70DBA9567}" type="datetimeFigureOut">
               <a:rPr lang="en-US" smtClean="0"/>
               <a:pPr/>
-              <a:t>6/6/2017</a:t>
+              <a:t>6/7/2017</a:t>
             </a:fld>
             <a:endParaRPr lang="en-US" dirty="0"/>
           </a:p>
@@ -645,7 +665,7 @@
             <a:fld id="{B61BEF0D-F0BB-DE4B-95CE-6DB70DBA9567}" type="datetimeFigureOut">
               <a:rPr lang="en-US" smtClean="0"/>
               <a:pPr/>
-              <a:t>6/6/2017</a:t>
+              <a:t>6/7/2017</a:t>
             </a:fld>
             <a:endParaRPr lang="en-US" dirty="0"/>
           </a:p>
@@ -895,7 +915,7 @@
             <a:fld id="{B61BEF0D-F0BB-DE4B-95CE-6DB70DBA9567}" type="datetimeFigureOut">
               <a:rPr lang="en-US" smtClean="0"/>
               <a:pPr/>
-              <a:t>6/6/2017</a:t>
+              <a:t>6/7/2017</a:t>
             </a:fld>
             <a:endParaRPr lang="en-US" dirty="0"/>
           </a:p>
@@ -1433,7 +1453,7 @@
             <a:fld id="{B61BEF0D-F0BB-DE4B-95CE-6DB70DBA9567}" type="datetimeFigureOut">
               <a:rPr lang="en-US" smtClean="0"/>
               <a:pPr/>
-              <a:t>6/6/2017</a:t>
+              <a:t>6/7/2017</a:t>
             </a:fld>
             <a:endParaRPr lang="en-US" dirty="0"/>
           </a:p>
@@ -1683,7 +1703,7 @@
             <a:fld id="{B61BEF0D-F0BB-DE4B-95CE-6DB70DBA9567}" type="datetimeFigureOut">
               <a:rPr lang="en-US" smtClean="0"/>
               <a:pPr/>
-              <a:t>6/6/2017</a:t>
+              <a:t>6/7/2017</a:t>
             </a:fld>
             <a:endParaRPr lang="en-US" dirty="0"/>
           </a:p>
@@ -2228,7 +2248,7 @@
             <a:fld id="{B61BEF0D-F0BB-DE4B-95CE-6DB70DBA9567}" type="datetimeFigureOut">
               <a:rPr lang="en-US" smtClean="0"/>
               <a:pPr/>
-              <a:t>6/6/2017</a:t>
+              <a:t>6/7/2017</a:t>
             </a:fld>
             <a:endParaRPr lang="en-US" dirty="0"/>
           </a:p>
@@ -2540,7 +2560,7 @@
             <a:fld id="{B61BEF0D-F0BB-DE4B-95CE-6DB70DBA9567}" type="datetimeFigureOut">
               <a:rPr lang="en-US" smtClean="0"/>
               <a:pPr/>
-              <a:t>6/6/2017</a:t>
+              <a:t>6/7/2017</a:t>
             </a:fld>
             <a:endParaRPr lang="en-US" dirty="0"/>
           </a:p>
@@ -2717,7 +2737,7 @@
             <a:fld id="{B61BEF0D-F0BB-DE4B-95CE-6DB70DBA9567}" type="datetimeFigureOut">
               <a:rPr lang="en-US" smtClean="0"/>
               <a:pPr/>
-              <a:t>6/6/2017</a:t>
+              <a:t>6/7/2017</a:t>
             </a:fld>
             <a:endParaRPr lang="en-US" dirty="0"/>
           </a:p>
@@ -2899,7 +2919,7 @@
             <a:fld id="{B61BEF0D-F0BB-DE4B-95CE-6DB70DBA9567}" type="datetimeFigureOut">
               <a:rPr lang="en-US" smtClean="0"/>
               <a:pPr/>
-              <a:t>6/6/2017</a:t>
+              <a:t>6/7/2017</a:t>
             </a:fld>
             <a:endParaRPr lang="en-US" dirty="0"/>
           </a:p>
@@ -3071,7 +3091,7 @@
             <a:fld id="{B61BEF0D-F0BB-DE4B-95CE-6DB70DBA9567}" type="datetimeFigureOut">
               <a:rPr lang="en-US" smtClean="0"/>
               <a:pPr/>
-              <a:t>6/6/2017</a:t>
+              <a:t>6/7/2017</a:t>
             </a:fld>
             <a:endParaRPr lang="en-US" dirty="0"/>
           </a:p>
@@ -3319,7 +3339,7 @@
             <a:fld id="{B61BEF0D-F0BB-DE4B-95CE-6DB70DBA9567}" type="datetimeFigureOut">
               <a:rPr lang="en-US" smtClean="0"/>
               <a:pPr/>
-              <a:t>6/6/2017</a:t>
+              <a:t>6/7/2017</a:t>
             </a:fld>
             <a:endParaRPr lang="en-US" dirty="0"/>
           </a:p>
@@ -3613,7 +3633,7 @@
             <a:fld id="{B61BEF0D-F0BB-DE4B-95CE-6DB70DBA9567}" type="datetimeFigureOut">
               <a:rPr lang="en-US" smtClean="0"/>
               <a:pPr/>
-              <a:t>6/6/2017</a:t>
+              <a:t>6/7/2017</a:t>
             </a:fld>
             <a:endParaRPr lang="en-US" dirty="0"/>
           </a:p>
@@ -4045,7 +4065,7 @@
             <a:fld id="{B61BEF0D-F0BB-DE4B-95CE-6DB70DBA9567}" type="datetimeFigureOut">
               <a:rPr lang="en-US" smtClean="0"/>
               <a:pPr/>
-              <a:t>6/6/2017</a:t>
+              <a:t>6/7/2017</a:t>
             </a:fld>
             <a:endParaRPr lang="en-US" dirty="0"/>
           </a:p>
@@ -4170,7 +4190,7 @@
             <a:fld id="{B61BEF0D-F0BB-DE4B-95CE-6DB70DBA9567}" type="datetimeFigureOut">
               <a:rPr lang="en-US" smtClean="0"/>
               <a:pPr/>
-              <a:t>6/6/2017</a:t>
+              <a:t>6/7/2017</a:t>
             </a:fld>
             <a:endParaRPr lang="en-US" dirty="0"/>
           </a:p>
@@ -4267,7 +4287,7 @@
             <a:fld id="{B61BEF0D-F0BB-DE4B-95CE-6DB70DBA9567}" type="datetimeFigureOut">
               <a:rPr lang="en-US" smtClean="0"/>
               <a:pPr/>
-              <a:t>6/6/2017</a:t>
+              <a:t>6/7/2017</a:t>
             </a:fld>
             <a:endParaRPr lang="en-US" dirty="0"/>
           </a:p>
@@ -4552,7 +4572,7 @@
             <a:fld id="{B61BEF0D-F0BB-DE4B-95CE-6DB70DBA9567}" type="datetimeFigureOut">
               <a:rPr lang="en-US" smtClean="0"/>
               <a:pPr/>
-              <a:t>6/6/2017</a:t>
+              <a:t>6/7/2017</a:t>
             </a:fld>
             <a:endParaRPr lang="en-US" dirty="0"/>
           </a:p>
@@ -4845,7 +4865,7 @@
             <a:fld id="{B61BEF0D-F0BB-DE4B-95CE-6DB70DBA9567}" type="datetimeFigureOut">
               <a:rPr lang="en-US" smtClean="0"/>
               <a:pPr/>
-              <a:t>6/6/2017</a:t>
+              <a:t>6/7/2017</a:t>
             </a:fld>
             <a:endParaRPr lang="en-US" dirty="0"/>
           </a:p>
@@ -5078,7 +5098,7 @@
             <a:fld id="{B61BEF0D-F0BB-DE4B-95CE-6DB70DBA9567}" type="datetimeFigureOut">
               <a:rPr lang="en-US" smtClean="0"/>
               <a:pPr/>
-              <a:t>6/6/2017</a:t>
+              <a:t>6/7/2017</a:t>
             </a:fld>
             <a:endParaRPr lang="en-US" dirty="0"/>
           </a:p>
@@ -5867,11 +5887,7 @@
           <a:p>
             <a:r>
               <a:rPr lang="en-US" dirty="0" smtClean="0"/>
-              <a:t>Each parameter creates a </a:t>
-            </a:r>
-            <a:r>
-              <a:rPr lang="en-US" dirty="0" smtClean="0"/>
-              <a:t>variable</a:t>
+              <a:t>Each parameter creates a variable</a:t>
             </a:r>
           </a:p>
         </p:txBody>
@@ -5886,6 +5902,13 @@
   <p:clrMapOvr>
     <a:masterClrMapping/>
   </p:clrMapOvr>
+  <p:timing>
+    <p:tnLst>
+      <p:par>
+        <p:cTn id="1" dur="indefinite" restart="never" nodeType="tmRoot"/>
+      </p:par>
+    </p:tnLst>
+  </p:timing>
 </p:sld>
 </file>
 
@@ -5970,6 +5993,13 @@
   <p:clrMapOvr>
     <a:masterClrMapping/>
   </p:clrMapOvr>
+  <p:timing>
+    <p:tnLst>
+      <p:par>
+        <p:cTn id="1" dur="indefinite" restart="never" nodeType="tmRoot"/>
+      </p:par>
+    </p:tnLst>
+  </p:timing>
 </p:sld>
 </file>
 
@@ -6007,7 +6037,7 @@
           <a:p>
             <a:r>
               <a:rPr lang="en-US" dirty="0" smtClean="0"/>
-              <a:t>Choice Type parameter	</a:t>
+              <a:t>Special Types</a:t>
             </a:r>
             <a:endParaRPr lang="en-US" dirty="0"/>
           </a:p>
@@ -6030,10 +6060,30 @@
           <a:p>
             <a:r>
               <a:rPr lang="en-US" dirty="0" smtClean="0"/>
-              <a:t>Single choice to end use</a:t>
-            </a:r>
-          </a:p>
-          <a:p>
+              <a:t>Look at local </a:t>
+            </a:r>
+            <a:r>
+              <a:rPr lang="en-US" dirty="0" err="1" smtClean="0"/>
+              <a:t>Github</a:t>
+            </a:r>
+            <a:r>
+              <a:rPr lang="en-US" dirty="0" smtClean="0"/>
+              <a:t> configuration</a:t>
+            </a:r>
+          </a:p>
+          <a:p>
+            <a:r>
+              <a:rPr lang="en-US" dirty="0" smtClean="0"/>
+              <a:t>User-</a:t>
+            </a:r>
+            <a:r>
+              <a:rPr lang="en-US" dirty="0" err="1" smtClean="0"/>
+              <a:t>FullName</a:t>
+            </a:r>
+            <a:r>
+              <a:rPr lang="en-US" dirty="0" smtClean="0"/>
+              <a:t> and User-Email</a:t>
+            </a:r>
             <a:endParaRPr lang="en-US" dirty="0"/>
           </a:p>
         </p:txBody>
@@ -6041,13 +6091,20 @@
     </p:spTree>
     <p:extLst>
       <p:ext uri="{BB962C8B-B14F-4D97-AF65-F5344CB8AC3E}">
-        <p14:creationId xmlns:p14="http://schemas.microsoft.com/office/powerpoint/2010/main" val="3989553350"/>
+        <p14:creationId xmlns:p14="http://schemas.microsoft.com/office/powerpoint/2010/main" val="646461143"/>
       </p:ext>
     </p:extLst>
   </p:cSld>
   <p:clrMapOvr>
     <a:masterClrMapping/>
   </p:clrMapOvr>
+  <p:timing>
+    <p:tnLst>
+      <p:par>
+        <p:cTn id="1" dur="indefinite" restart="never" nodeType="tmRoot"/>
+      </p:par>
+    </p:tnLst>
+  </p:timing>
 </p:sld>
 </file>
 
@@ -6083,7 +6140,11 @@
           <a:bodyPr/>
           <a:lstStyle/>
           <a:p>
-            <a:endParaRPr lang="en-US"/>
+            <a:r>
+              <a:rPr lang="en-US" dirty="0" smtClean="0"/>
+              <a:t>Choice Type parameter	</a:t>
+            </a:r>
+            <a:endParaRPr lang="en-US" dirty="0"/>
           </a:p>
         </p:txBody>
       </p:sp>
@@ -6102,7 +6163,123 @@
           <a:bodyPr/>
           <a:lstStyle/>
           <a:p>
-            <a:endParaRPr lang="en-US"/>
+            <a:r>
+              <a:rPr lang="en-US" dirty="0" smtClean="0"/>
+              <a:t>Single choice to end </a:t>
+            </a:r>
+            <a:r>
+              <a:rPr lang="en-US" dirty="0" smtClean="0"/>
+              <a:t>use</a:t>
+            </a:r>
+          </a:p>
+          <a:p>
+            <a:r>
+              <a:rPr lang="en-US" dirty="0" smtClean="0"/>
+              <a:t>Like a </a:t>
+            </a:r>
+            <a:r>
+              <a:rPr lang="en-US" dirty="0" err="1" smtClean="0"/>
+              <a:t>validateset</a:t>
+            </a:r>
+            <a:endParaRPr lang="en-US" dirty="0" smtClean="0"/>
+          </a:p>
+          <a:p>
+            <a:r>
+              <a:rPr lang="en-US" dirty="0" smtClean="0"/>
+              <a:t>Creates a string</a:t>
+            </a:r>
+            <a:endParaRPr lang="en-US" dirty="0" smtClean="0"/>
+          </a:p>
+          <a:p>
+            <a:pPr marL="0" indent="0">
+              <a:buNone/>
+            </a:pPr>
+            <a:endParaRPr lang="en-US" dirty="0"/>
+          </a:p>
+        </p:txBody>
+      </p:sp>
+    </p:spTree>
+    <p:extLst>
+      <p:ext uri="{BB962C8B-B14F-4D97-AF65-F5344CB8AC3E}">
+        <p14:creationId xmlns:p14="http://schemas.microsoft.com/office/powerpoint/2010/main" val="3989553350"/>
+      </p:ext>
+    </p:extLst>
+  </p:cSld>
+  <p:clrMapOvr>
+    <a:masterClrMapping/>
+  </p:clrMapOvr>
+  <p:timing>
+    <p:tnLst>
+      <p:par>
+        <p:cTn id="1" dur="indefinite" restart="never" nodeType="tmRoot"/>
+      </p:par>
+    </p:tnLst>
+  </p:timing>
+</p:sld>
+</file>
+
+<file path=ppt/slides/slide14.xml><?xml version="1.0" encoding="utf-8"?>
+<p:sld xmlns:a="http://schemas.openxmlformats.org/drawingml/2006/main" xmlns:r="http://schemas.openxmlformats.org/officeDocument/2006/relationships" xmlns:p="http://schemas.openxmlformats.org/presentationml/2006/main">
+  <p:cSld>
+    <p:spTree>
+      <p:nvGrpSpPr>
+        <p:cNvPr id="1" name=""/>
+        <p:cNvGrpSpPr/>
+        <p:nvPr/>
+      </p:nvGrpSpPr>
+      <p:grpSpPr>
+        <a:xfrm>
+          <a:off x="0" y="0"/>
+          <a:ext cx="0" cy="0"/>
+          <a:chOff x="0" y="0"/>
+          <a:chExt cx="0" cy="0"/>
+        </a:xfrm>
+      </p:grpSpPr>
+      <p:sp>
+        <p:nvSpPr>
+          <p:cNvPr id="2" name="Title 1"/>
+          <p:cNvSpPr>
+            <a:spLocks noGrp="1"/>
+          </p:cNvSpPr>
+          <p:nvPr>
+            <p:ph type="title"/>
+          </p:nvPr>
+        </p:nvSpPr>
+        <p:spPr/>
+        <p:txBody>
+          <a:bodyPr/>
+          <a:lstStyle/>
+          <a:p>
+            <a:r>
+              <a:rPr lang="en-US" dirty="0" err="1" smtClean="0">
+                <a:effectLst/>
+              </a:rPr>
+              <a:t>multichoice</a:t>
+            </a:r>
+            <a:endParaRPr lang="en-US" dirty="0"/>
+          </a:p>
+        </p:txBody>
+      </p:sp>
+      <p:sp>
+        <p:nvSpPr>
+          <p:cNvPr id="3" name="Content Placeholder 2"/>
+          <p:cNvSpPr>
+            <a:spLocks noGrp="1"/>
+          </p:cNvSpPr>
+          <p:nvPr>
+            <p:ph idx="1"/>
+          </p:nvPr>
+        </p:nvSpPr>
+        <p:spPr/>
+        <p:txBody>
+          <a:bodyPr/>
+          <a:lstStyle/>
+          <a:p>
+            <a:r>
+              <a:rPr lang="en-US" dirty="0" smtClean="0"/>
+              <a:t>Creates an array</a:t>
+            </a:r>
+            <a:endParaRPr lang="en-US" dirty="0"/>
           </a:p>
         </p:txBody>
       </p:sp>
@@ -6116,6 +6293,474 @@
   <p:clrMapOvr>
     <a:masterClrMapping/>
   </p:clrMapOvr>
+  <p:timing>
+    <p:tnLst>
+      <p:par>
+        <p:cTn id="1" dur="indefinite" restart="never" nodeType="tmRoot"/>
+      </p:par>
+    </p:tnLst>
+  </p:timing>
+</p:sld>
+</file>
+
+<file path=ppt/slides/slide15.xml><?xml version="1.0" encoding="utf-8"?>
+<p:sld xmlns:a="http://schemas.openxmlformats.org/drawingml/2006/main" xmlns:r="http://schemas.openxmlformats.org/officeDocument/2006/relationships" xmlns:p="http://schemas.openxmlformats.org/presentationml/2006/main">
+  <p:cSld>
+    <p:spTree>
+      <p:nvGrpSpPr>
+        <p:cNvPr id="1" name=""/>
+        <p:cNvGrpSpPr/>
+        <p:nvPr/>
+      </p:nvGrpSpPr>
+      <p:grpSpPr>
+        <a:xfrm>
+          <a:off x="0" y="0"/>
+          <a:ext cx="0" cy="0"/>
+          <a:chOff x="0" y="0"/>
+          <a:chExt cx="0" cy="0"/>
+        </a:xfrm>
+      </p:grpSpPr>
+      <p:sp>
+        <p:nvSpPr>
+          <p:cNvPr id="2" name="Title 1"/>
+          <p:cNvSpPr>
+            <a:spLocks noGrp="1"/>
+          </p:cNvSpPr>
+          <p:nvPr>
+            <p:ph type="title"/>
+          </p:nvPr>
+        </p:nvSpPr>
+        <p:spPr/>
+        <p:txBody>
+          <a:bodyPr/>
+          <a:lstStyle/>
+          <a:p>
+            <a:r>
+              <a:rPr lang="en-US" dirty="0" smtClean="0"/>
+              <a:t>Content</a:t>
+            </a:r>
+            <a:endParaRPr lang="en-US" dirty="0"/>
+          </a:p>
+        </p:txBody>
+      </p:sp>
+      <p:sp>
+        <p:nvSpPr>
+          <p:cNvPr id="3" name="Content Placeholder 2"/>
+          <p:cNvSpPr>
+            <a:spLocks noGrp="1"/>
+          </p:cNvSpPr>
+          <p:nvPr>
+            <p:ph idx="1"/>
+          </p:nvPr>
+        </p:nvSpPr>
+        <p:spPr/>
+        <p:txBody>
+          <a:bodyPr/>
+          <a:lstStyle/>
+          <a:p>
+            <a:r>
+              <a:rPr lang="en-US" dirty="0" smtClean="0"/>
+              <a:t>Putting it all together</a:t>
+            </a:r>
+            <a:endParaRPr lang="en-US" dirty="0"/>
+          </a:p>
+        </p:txBody>
+      </p:sp>
+    </p:spTree>
+    <p:extLst>
+      <p:ext uri="{BB962C8B-B14F-4D97-AF65-F5344CB8AC3E}">
+        <p14:creationId xmlns:p14="http://schemas.microsoft.com/office/powerpoint/2010/main" val="2640949271"/>
+      </p:ext>
+    </p:extLst>
+  </p:cSld>
+  <p:clrMapOvr>
+    <a:masterClrMapping/>
+  </p:clrMapOvr>
+  <p:timing>
+    <p:tnLst>
+      <p:par>
+        <p:cTn id="1" dur="indefinite" restart="never" nodeType="tmRoot"/>
+      </p:par>
+    </p:tnLst>
+  </p:timing>
+</p:sld>
+</file>
+
+<file path=ppt/slides/slide16.xml><?xml version="1.0" encoding="utf-8"?>
+<p:sld xmlns:a="http://schemas.openxmlformats.org/drawingml/2006/main" xmlns:r="http://schemas.openxmlformats.org/officeDocument/2006/relationships" xmlns:p="http://schemas.openxmlformats.org/presentationml/2006/main">
+  <p:cSld>
+    <p:spTree>
+      <p:nvGrpSpPr>
+        <p:cNvPr id="1" name=""/>
+        <p:cNvGrpSpPr/>
+        <p:nvPr/>
+      </p:nvGrpSpPr>
+      <p:grpSpPr>
+        <a:xfrm>
+          <a:off x="0" y="0"/>
+          <a:ext cx="0" cy="0"/>
+          <a:chOff x="0" y="0"/>
+          <a:chExt cx="0" cy="0"/>
+        </a:xfrm>
+      </p:grpSpPr>
+      <p:sp>
+        <p:nvSpPr>
+          <p:cNvPr id="2" name="Title 1"/>
+          <p:cNvSpPr>
+            <a:spLocks noGrp="1"/>
+          </p:cNvSpPr>
+          <p:nvPr>
+            <p:ph type="title"/>
+          </p:nvPr>
+        </p:nvSpPr>
+        <p:spPr/>
+        <p:txBody>
+          <a:bodyPr/>
+          <a:lstStyle/>
+          <a:p>
+            <a:r>
+              <a:rPr lang="en-US" dirty="0" smtClean="0"/>
+              <a:t>Plaster </a:t>
+            </a:r>
+            <a:r>
+              <a:rPr lang="en-US" dirty="0" err="1" smtClean="0"/>
+              <a:t>Runspace</a:t>
+            </a:r>
+            <a:endParaRPr lang="en-US" dirty="0"/>
+          </a:p>
+        </p:txBody>
+      </p:sp>
+      <p:sp>
+        <p:nvSpPr>
+          <p:cNvPr id="3" name="Content Placeholder 2"/>
+          <p:cNvSpPr>
+            <a:spLocks noGrp="1"/>
+          </p:cNvSpPr>
+          <p:nvPr>
+            <p:ph idx="1"/>
+          </p:nvPr>
+        </p:nvSpPr>
+        <p:spPr/>
+        <p:txBody>
+          <a:bodyPr/>
+          <a:lstStyle/>
+          <a:p>
+            <a:r>
+              <a:rPr lang="en-US" dirty="0" smtClean="0"/>
+              <a:t>Limited language Access</a:t>
+            </a:r>
+          </a:p>
+          <a:p>
+            <a:r>
+              <a:rPr lang="en-US" dirty="0" smtClean="0"/>
+              <a:t>Automatic Variables created by Plaster</a:t>
+            </a:r>
+          </a:p>
+          <a:p>
+            <a:pPr lvl="1"/>
+            <a:r>
+              <a:rPr lang="en-US" dirty="0"/>
+              <a:t>https://github.com/PowerShell/Plaster/blob/master/docs/en-US/about_Plaster_CreatingAManifest.help.md#powershell-constrained-runspace</a:t>
+            </a:r>
+            <a:endParaRPr lang="en-US" dirty="0" smtClean="0"/>
+          </a:p>
+          <a:p>
+            <a:r>
+              <a:rPr lang="en-US" dirty="0" smtClean="0"/>
+              <a:t>All of your parameters create variables</a:t>
+            </a:r>
+            <a:endParaRPr lang="en-US" dirty="0"/>
+          </a:p>
+        </p:txBody>
+      </p:sp>
+    </p:spTree>
+    <p:extLst>
+      <p:ext uri="{BB962C8B-B14F-4D97-AF65-F5344CB8AC3E}">
+        <p14:creationId xmlns:p14="http://schemas.microsoft.com/office/powerpoint/2010/main" val="4179287701"/>
+      </p:ext>
+    </p:extLst>
+  </p:cSld>
+  <p:clrMapOvr>
+    <a:masterClrMapping/>
+  </p:clrMapOvr>
+  <p:timing>
+    <p:tnLst>
+      <p:par>
+        <p:cTn id="1" dur="indefinite" restart="never" nodeType="tmRoot"/>
+      </p:par>
+    </p:tnLst>
+  </p:timing>
+</p:sld>
+</file>
+
+<file path=ppt/slides/slide17.xml><?xml version="1.0" encoding="utf-8"?>
+<p:sld xmlns:a="http://schemas.openxmlformats.org/drawingml/2006/main" xmlns:r="http://schemas.openxmlformats.org/officeDocument/2006/relationships" xmlns:p="http://schemas.openxmlformats.org/presentationml/2006/main">
+  <p:cSld>
+    <p:spTree>
+      <p:nvGrpSpPr>
+        <p:cNvPr id="1" name=""/>
+        <p:cNvGrpSpPr/>
+        <p:nvPr/>
+      </p:nvGrpSpPr>
+      <p:grpSpPr>
+        <a:xfrm>
+          <a:off x="0" y="0"/>
+          <a:ext cx="0" cy="0"/>
+          <a:chOff x="0" y="0"/>
+          <a:chExt cx="0" cy="0"/>
+        </a:xfrm>
+      </p:grpSpPr>
+      <p:sp>
+        <p:nvSpPr>
+          <p:cNvPr id="2" name="Title 1"/>
+          <p:cNvSpPr>
+            <a:spLocks noGrp="1"/>
+          </p:cNvSpPr>
+          <p:nvPr>
+            <p:ph type="title"/>
+          </p:nvPr>
+        </p:nvSpPr>
+        <p:spPr/>
+        <p:txBody>
+          <a:bodyPr/>
+          <a:lstStyle/>
+          <a:p>
+            <a:r>
+              <a:rPr lang="en-US" dirty="0" smtClean="0"/>
+              <a:t>New Module Manifest</a:t>
+            </a:r>
+            <a:endParaRPr lang="en-US" dirty="0"/>
+          </a:p>
+        </p:txBody>
+      </p:sp>
+      <p:sp>
+        <p:nvSpPr>
+          <p:cNvPr id="3" name="Content Placeholder 2"/>
+          <p:cNvSpPr>
+            <a:spLocks noGrp="1"/>
+          </p:cNvSpPr>
+          <p:nvPr>
+            <p:ph idx="1"/>
+          </p:nvPr>
+        </p:nvSpPr>
+        <p:spPr/>
+        <p:txBody>
+          <a:bodyPr/>
+          <a:lstStyle/>
+          <a:p>
+            <a:r>
+              <a:rPr lang="en-US" dirty="0" smtClean="0"/>
+              <a:t>Built in type for PowerShell modules</a:t>
+            </a:r>
+            <a:endParaRPr lang="en-US" dirty="0"/>
+          </a:p>
+        </p:txBody>
+      </p:sp>
+    </p:spTree>
+    <p:extLst>
+      <p:ext uri="{BB962C8B-B14F-4D97-AF65-F5344CB8AC3E}">
+        <p14:creationId xmlns:p14="http://schemas.microsoft.com/office/powerpoint/2010/main" val="1414520049"/>
+      </p:ext>
+    </p:extLst>
+  </p:cSld>
+  <p:clrMapOvr>
+    <a:masterClrMapping/>
+  </p:clrMapOvr>
+  <p:timing>
+    <p:tnLst>
+      <p:par>
+        <p:cTn id="1" dur="indefinite" restart="never" nodeType="tmRoot"/>
+      </p:par>
+    </p:tnLst>
+  </p:timing>
+</p:sld>
+</file>
+
+<file path=ppt/slides/slide18.xml><?xml version="1.0" encoding="utf-8"?>
+<p:sld xmlns:a="http://schemas.openxmlformats.org/drawingml/2006/main" xmlns:r="http://schemas.openxmlformats.org/officeDocument/2006/relationships" xmlns:p="http://schemas.openxmlformats.org/presentationml/2006/main">
+  <p:cSld>
+    <p:spTree>
+      <p:nvGrpSpPr>
+        <p:cNvPr id="1" name=""/>
+        <p:cNvGrpSpPr/>
+        <p:nvPr/>
+      </p:nvGrpSpPr>
+      <p:grpSpPr>
+        <a:xfrm>
+          <a:off x="0" y="0"/>
+          <a:ext cx="0" cy="0"/>
+          <a:chOff x="0" y="0"/>
+          <a:chExt cx="0" cy="0"/>
+        </a:xfrm>
+      </p:grpSpPr>
+      <p:sp>
+        <p:nvSpPr>
+          <p:cNvPr id="2" name="Title 1"/>
+          <p:cNvSpPr>
+            <a:spLocks noGrp="1"/>
+          </p:cNvSpPr>
+          <p:nvPr>
+            <p:ph type="title"/>
+          </p:nvPr>
+        </p:nvSpPr>
+        <p:spPr/>
+        <p:txBody>
+          <a:bodyPr/>
+          <a:lstStyle/>
+          <a:p>
+            <a:r>
+              <a:rPr lang="en-US" dirty="0" smtClean="0"/>
+              <a:t>Content Type - File</a:t>
+            </a:r>
+            <a:endParaRPr lang="en-US" dirty="0"/>
+          </a:p>
+        </p:txBody>
+      </p:sp>
+      <p:sp>
+        <p:nvSpPr>
+          <p:cNvPr id="3" name="Content Placeholder 2"/>
+          <p:cNvSpPr>
+            <a:spLocks noGrp="1"/>
+          </p:cNvSpPr>
+          <p:nvPr>
+            <p:ph idx="1"/>
+          </p:nvPr>
+        </p:nvSpPr>
+        <p:spPr/>
+        <p:txBody>
+          <a:bodyPr/>
+          <a:lstStyle/>
+          <a:p>
+            <a:r>
+              <a:rPr lang="en-US" dirty="0" smtClean="0"/>
+              <a:t>Simple copy to destination</a:t>
+            </a:r>
+          </a:p>
+          <a:p>
+            <a:r>
+              <a:rPr lang="en-US" dirty="0" smtClean="0"/>
+              <a:t>Does not modify source file</a:t>
+            </a:r>
+            <a:endParaRPr lang="en-US" dirty="0"/>
+          </a:p>
+        </p:txBody>
+      </p:sp>
+    </p:spTree>
+    <p:extLst>
+      <p:ext uri="{BB962C8B-B14F-4D97-AF65-F5344CB8AC3E}">
+        <p14:creationId xmlns:p14="http://schemas.microsoft.com/office/powerpoint/2010/main" val="2672171261"/>
+      </p:ext>
+    </p:extLst>
+  </p:cSld>
+  <p:clrMapOvr>
+    <a:masterClrMapping/>
+  </p:clrMapOvr>
+  <p:timing>
+    <p:tnLst>
+      <p:par>
+        <p:cTn id="1" dur="indefinite" restart="never" nodeType="tmRoot"/>
+      </p:par>
+    </p:tnLst>
+  </p:timing>
+</p:sld>
+</file>
+
+<file path=ppt/slides/slide19.xml><?xml version="1.0" encoding="utf-8"?>
+<p:sld xmlns:a="http://schemas.openxmlformats.org/drawingml/2006/main" xmlns:r="http://schemas.openxmlformats.org/officeDocument/2006/relationships" xmlns:p="http://schemas.openxmlformats.org/presentationml/2006/main">
+  <p:cSld>
+    <p:spTree>
+      <p:nvGrpSpPr>
+        <p:cNvPr id="1" name=""/>
+        <p:cNvGrpSpPr/>
+        <p:nvPr/>
+      </p:nvGrpSpPr>
+      <p:grpSpPr>
+        <a:xfrm>
+          <a:off x="0" y="0"/>
+          <a:ext cx="0" cy="0"/>
+          <a:chOff x="0" y="0"/>
+          <a:chExt cx="0" cy="0"/>
+        </a:xfrm>
+      </p:grpSpPr>
+      <p:sp>
+        <p:nvSpPr>
+          <p:cNvPr id="2" name="Title 1"/>
+          <p:cNvSpPr>
+            <a:spLocks noGrp="1"/>
+          </p:cNvSpPr>
+          <p:nvPr>
+            <p:ph type="title"/>
+          </p:nvPr>
+        </p:nvSpPr>
+        <p:spPr/>
+        <p:txBody>
+          <a:bodyPr/>
+          <a:lstStyle/>
+          <a:p>
+            <a:r>
+              <a:rPr lang="en-US" dirty="0" smtClean="0"/>
+              <a:t>Plaster Conditionals</a:t>
+            </a:r>
+            <a:endParaRPr lang="en-US" dirty="0"/>
+          </a:p>
+        </p:txBody>
+      </p:sp>
+      <p:sp>
+        <p:nvSpPr>
+          <p:cNvPr id="3" name="Content Placeholder 2"/>
+          <p:cNvSpPr>
+            <a:spLocks noGrp="1"/>
+          </p:cNvSpPr>
+          <p:nvPr>
+            <p:ph idx="1"/>
+          </p:nvPr>
+        </p:nvSpPr>
+        <p:spPr/>
+        <p:txBody>
+          <a:bodyPr/>
+          <a:lstStyle/>
+          <a:p>
+            <a:r>
+              <a:rPr lang="en-US" dirty="0" smtClean="0"/>
+              <a:t>Shared by all content types</a:t>
+            </a:r>
+          </a:p>
+          <a:p>
+            <a:r>
+              <a:rPr lang="en-US" dirty="0" smtClean="0"/>
+              <a:t>Can access any variables and limited language features</a:t>
+            </a:r>
+          </a:p>
+          <a:p>
+            <a:r>
+              <a:rPr lang="en-US" dirty="0" smtClean="0"/>
+              <a:t>Just a </a:t>
+            </a:r>
+            <a:r>
+              <a:rPr lang="en-US" dirty="0" err="1" smtClean="0"/>
+              <a:t>scriptblock</a:t>
+            </a:r>
+            <a:endParaRPr lang="en-US" dirty="0"/>
+          </a:p>
+        </p:txBody>
+      </p:sp>
+    </p:spTree>
+    <p:extLst>
+      <p:ext uri="{BB962C8B-B14F-4D97-AF65-F5344CB8AC3E}">
+        <p14:creationId xmlns:p14="http://schemas.microsoft.com/office/powerpoint/2010/main" val="3471947368"/>
+      </p:ext>
+    </p:extLst>
+  </p:cSld>
+  <p:clrMapOvr>
+    <a:masterClrMapping/>
+  </p:clrMapOvr>
+  <p:timing>
+    <p:tnLst>
+      <p:par>
+        <p:cTn id="1" dur="indefinite" restart="never" nodeType="tmRoot"/>
+      </p:par>
+    </p:tnLst>
+  </p:timing>
 </p:sld>
 </file>
 
@@ -6241,6 +6886,185 @@
       </p:par>
     </p:tnLst>
   </p:timing>
+</p:sld>
+</file>
+
+<file path=ppt/slides/slide20.xml><?xml version="1.0" encoding="utf-8"?>
+<p:sld xmlns:a="http://schemas.openxmlformats.org/drawingml/2006/main" xmlns:r="http://schemas.openxmlformats.org/officeDocument/2006/relationships" xmlns:p="http://schemas.openxmlformats.org/presentationml/2006/main">
+  <p:cSld>
+    <p:spTree>
+      <p:nvGrpSpPr>
+        <p:cNvPr id="1" name=""/>
+        <p:cNvGrpSpPr/>
+        <p:nvPr/>
+      </p:nvGrpSpPr>
+      <p:grpSpPr>
+        <a:xfrm>
+          <a:off x="0" y="0"/>
+          <a:ext cx="0" cy="0"/>
+          <a:chOff x="0" y="0"/>
+          <a:chExt cx="0" cy="0"/>
+        </a:xfrm>
+      </p:grpSpPr>
+      <p:sp>
+        <p:nvSpPr>
+          <p:cNvPr id="2" name="Title 1"/>
+          <p:cNvSpPr>
+            <a:spLocks noGrp="1"/>
+          </p:cNvSpPr>
+          <p:nvPr>
+            <p:ph type="title"/>
+          </p:nvPr>
+        </p:nvSpPr>
+        <p:spPr/>
+        <p:txBody>
+          <a:bodyPr/>
+          <a:lstStyle/>
+          <a:p>
+            <a:r>
+              <a:rPr lang="en-US" dirty="0" smtClean="0"/>
+              <a:t>Content Type - Message</a:t>
+            </a:r>
+            <a:endParaRPr lang="en-US" dirty="0"/>
+          </a:p>
+        </p:txBody>
+      </p:sp>
+      <p:sp>
+        <p:nvSpPr>
+          <p:cNvPr id="3" name="Content Placeholder 2"/>
+          <p:cNvSpPr>
+            <a:spLocks noGrp="1"/>
+          </p:cNvSpPr>
+          <p:nvPr>
+            <p:ph idx="1"/>
+          </p:nvPr>
+        </p:nvSpPr>
+        <p:spPr/>
+        <p:txBody>
+          <a:bodyPr/>
+          <a:lstStyle/>
+          <a:p>
+            <a:r>
+              <a:rPr lang="en-US" dirty="0" smtClean="0"/>
+              <a:t>Great way to show progress</a:t>
+            </a:r>
+          </a:p>
+          <a:p>
+            <a:r>
+              <a:rPr lang="en-US" dirty="0" smtClean="0"/>
+              <a:t>Supports no new line and conditionals</a:t>
+            </a:r>
+            <a:endParaRPr lang="en-US" dirty="0"/>
+          </a:p>
+        </p:txBody>
+      </p:sp>
+    </p:spTree>
+    <p:extLst>
+      <p:ext uri="{BB962C8B-B14F-4D97-AF65-F5344CB8AC3E}">
+        <p14:creationId xmlns:p14="http://schemas.microsoft.com/office/powerpoint/2010/main" val="2831802694"/>
+      </p:ext>
+    </p:extLst>
+  </p:cSld>
+  <p:clrMapOvr>
+    <a:masterClrMapping/>
+  </p:clrMapOvr>
+  <p:timing>
+    <p:tnLst>
+      <p:par>
+        <p:cTn id="1" dur="indefinite" restart="never" nodeType="tmRoot"/>
+      </p:par>
+    </p:tnLst>
+  </p:timing>
+</p:sld>
+</file>
+
+<file path=ppt/slides/slide21.xml><?xml version="1.0" encoding="utf-8"?>
+<p:sld xmlns:a="http://schemas.openxmlformats.org/drawingml/2006/main" xmlns:r="http://schemas.openxmlformats.org/officeDocument/2006/relationships" xmlns:p="http://schemas.openxmlformats.org/presentationml/2006/main">
+  <p:cSld>
+    <p:spTree>
+      <p:nvGrpSpPr>
+        <p:cNvPr id="1" name=""/>
+        <p:cNvGrpSpPr/>
+        <p:nvPr/>
+      </p:nvGrpSpPr>
+      <p:grpSpPr>
+        <a:xfrm>
+          <a:off x="0" y="0"/>
+          <a:ext cx="0" cy="0"/>
+          <a:chOff x="0" y="0"/>
+          <a:chExt cx="0" cy="0"/>
+        </a:xfrm>
+      </p:grpSpPr>
+      <p:sp>
+        <p:nvSpPr>
+          <p:cNvPr id="2" name="Title 1"/>
+          <p:cNvSpPr>
+            <a:spLocks noGrp="1"/>
+          </p:cNvSpPr>
+          <p:nvPr>
+            <p:ph type="title"/>
+          </p:nvPr>
+        </p:nvSpPr>
+        <p:spPr/>
+        <p:txBody>
+          <a:bodyPr/>
+          <a:lstStyle/>
+          <a:p>
+            <a:r>
+              <a:rPr lang="en-US" dirty="0" smtClean="0"/>
+              <a:t>Content Type – Template File</a:t>
+            </a:r>
+            <a:endParaRPr lang="en-US" dirty="0"/>
+          </a:p>
+        </p:txBody>
+      </p:sp>
+      <p:sp>
+        <p:nvSpPr>
+          <p:cNvPr id="3" name="Content Placeholder 2"/>
+          <p:cNvSpPr>
+            <a:spLocks noGrp="1"/>
+          </p:cNvSpPr>
+          <p:nvPr>
+            <p:ph idx="1"/>
+          </p:nvPr>
+        </p:nvSpPr>
+        <p:spPr/>
+        <p:txBody>
+          <a:bodyPr/>
+          <a:lstStyle/>
+          <a:p>
+            <a:r>
+              <a:rPr lang="en-US" dirty="0" smtClean="0"/>
+              <a:t>Most powerful</a:t>
+            </a:r>
+          </a:p>
+          <a:p>
+            <a:r>
+              <a:rPr lang="en-US" dirty="0" smtClean="0"/>
+              <a:t>Uses </a:t>
+            </a:r>
+            <a:r>
+              <a:rPr lang="en-US" dirty="0" err="1" smtClean="0"/>
+              <a:t>scriptblocks</a:t>
+            </a:r>
+            <a:r>
+              <a:rPr lang="en-US" dirty="0" smtClean="0"/>
+              <a:t> inline to generate content</a:t>
+            </a:r>
+            <a:endParaRPr lang="en-US" dirty="0"/>
+          </a:p>
+        </p:txBody>
+      </p:sp>
+    </p:spTree>
+    <p:extLst>
+      <p:ext uri="{BB962C8B-B14F-4D97-AF65-F5344CB8AC3E}">
+        <p14:creationId xmlns:p14="http://schemas.microsoft.com/office/powerpoint/2010/main" val="196045744"/>
+      </p:ext>
+    </p:extLst>
+  </p:cSld>
+  <p:clrMapOvr>
+    <a:masterClrMapping/>
+  </p:clrMapOvr>
 </p:sld>
 </file>
 

--- a/Working with Plaster.pptx
+++ b/Working with Plaster.pptx
@@ -25,7 +25,9 @@
     <p:sldId id="274" r:id="rId19"/>
     <p:sldId id="271" r:id="rId20"/>
     <p:sldId id="275" r:id="rId21"/>
-    <p:sldId id="276" r:id="rId22"/>
+    <p:sldId id="278" r:id="rId22"/>
+    <p:sldId id="277" r:id="rId23"/>
+    <p:sldId id="276" r:id="rId24"/>
   </p:sldIdLst>
   <p:sldSz cx="12192000" cy="6858000"/>
   <p:notesSz cx="6858000" cy="9144000"/>
@@ -157,6 +159,8 @@
             <p14:sldId id="274"/>
             <p14:sldId id="271"/>
             <p14:sldId id="275"/>
+            <p14:sldId id="278"/>
+            <p14:sldId id="277"/>
             <p14:sldId id="276"/>
           </p14:sldIdLst>
         </p14:section>
@@ -372,7 +376,7 @@
             <a:fld id="{B61BEF0D-F0BB-DE4B-95CE-6DB70DBA9567}" type="datetimeFigureOut">
               <a:rPr lang="en-US" smtClean="0"/>
               <a:pPr/>
-              <a:t>6/7/2017</a:t>
+              <a:t>6/8/2017</a:t>
             </a:fld>
             <a:endParaRPr lang="en-US" dirty="0"/>
           </a:p>
@@ -573,7 +577,7 @@
           </a:lstStyle>
           <a:p>
             <a:r>
-              <a:rPr lang="en-US" smtClean="0"/>
+              <a:rPr lang="en-US" dirty="0" smtClean="0"/>
               <a:t>Click icon to add picture</a:t>
             </a:r>
             <a:endParaRPr lang="en-US" dirty="0"/>
@@ -665,7 +669,7 @@
             <a:fld id="{B61BEF0D-F0BB-DE4B-95CE-6DB70DBA9567}" type="datetimeFigureOut">
               <a:rPr lang="en-US" smtClean="0"/>
               <a:pPr/>
-              <a:t>6/7/2017</a:t>
+              <a:t>6/8/2017</a:t>
             </a:fld>
             <a:endParaRPr lang="en-US" dirty="0"/>
           </a:p>
@@ -915,7 +919,7 @@
             <a:fld id="{B61BEF0D-F0BB-DE4B-95CE-6DB70DBA9567}" type="datetimeFigureOut">
               <a:rPr lang="en-US" smtClean="0"/>
               <a:pPr/>
-              <a:t>6/7/2017</a:t>
+              <a:t>6/8/2017</a:t>
             </a:fld>
             <a:endParaRPr lang="en-US" dirty="0"/>
           </a:p>
@@ -1453,7 +1457,7 @@
             <a:fld id="{B61BEF0D-F0BB-DE4B-95CE-6DB70DBA9567}" type="datetimeFigureOut">
               <a:rPr lang="en-US" smtClean="0"/>
               <a:pPr/>
-              <a:t>6/7/2017</a:t>
+              <a:t>6/8/2017</a:t>
             </a:fld>
             <a:endParaRPr lang="en-US" dirty="0"/>
           </a:p>
@@ -1703,7 +1707,7 @@
             <a:fld id="{B61BEF0D-F0BB-DE4B-95CE-6DB70DBA9567}" type="datetimeFigureOut">
               <a:rPr lang="en-US" smtClean="0"/>
               <a:pPr/>
-              <a:t>6/7/2017</a:t>
+              <a:t>6/8/2017</a:t>
             </a:fld>
             <a:endParaRPr lang="en-US" dirty="0"/>
           </a:p>
@@ -2248,7 +2252,7 @@
             <a:fld id="{B61BEF0D-F0BB-DE4B-95CE-6DB70DBA9567}" type="datetimeFigureOut">
               <a:rPr lang="en-US" smtClean="0"/>
               <a:pPr/>
-              <a:t>6/7/2017</a:t>
+              <a:t>6/8/2017</a:t>
             </a:fld>
             <a:endParaRPr lang="en-US" dirty="0"/>
           </a:p>
@@ -2560,7 +2564,7 @@
             <a:fld id="{B61BEF0D-F0BB-DE4B-95CE-6DB70DBA9567}" type="datetimeFigureOut">
               <a:rPr lang="en-US" smtClean="0"/>
               <a:pPr/>
-              <a:t>6/7/2017</a:t>
+              <a:t>6/8/2017</a:t>
             </a:fld>
             <a:endParaRPr lang="en-US" dirty="0"/>
           </a:p>
@@ -2737,7 +2741,7 @@
             <a:fld id="{B61BEF0D-F0BB-DE4B-95CE-6DB70DBA9567}" type="datetimeFigureOut">
               <a:rPr lang="en-US" smtClean="0"/>
               <a:pPr/>
-              <a:t>6/7/2017</a:t>
+              <a:t>6/8/2017</a:t>
             </a:fld>
             <a:endParaRPr lang="en-US" dirty="0"/>
           </a:p>
@@ -2919,7 +2923,7 @@
             <a:fld id="{B61BEF0D-F0BB-DE4B-95CE-6DB70DBA9567}" type="datetimeFigureOut">
               <a:rPr lang="en-US" smtClean="0"/>
               <a:pPr/>
-              <a:t>6/7/2017</a:t>
+              <a:t>6/8/2017</a:t>
             </a:fld>
             <a:endParaRPr lang="en-US" dirty="0"/>
           </a:p>
@@ -3091,7 +3095,7 @@
             <a:fld id="{B61BEF0D-F0BB-DE4B-95CE-6DB70DBA9567}" type="datetimeFigureOut">
               <a:rPr lang="en-US" smtClean="0"/>
               <a:pPr/>
-              <a:t>6/7/2017</a:t>
+              <a:t>6/8/2017</a:t>
             </a:fld>
             <a:endParaRPr lang="en-US" dirty="0"/>
           </a:p>
@@ -3339,7 +3343,7 @@
             <a:fld id="{B61BEF0D-F0BB-DE4B-95CE-6DB70DBA9567}" type="datetimeFigureOut">
               <a:rPr lang="en-US" smtClean="0"/>
               <a:pPr/>
-              <a:t>6/7/2017</a:t>
+              <a:t>6/8/2017</a:t>
             </a:fld>
             <a:endParaRPr lang="en-US" dirty="0"/>
           </a:p>
@@ -3633,7 +3637,7 @@
             <a:fld id="{B61BEF0D-F0BB-DE4B-95CE-6DB70DBA9567}" type="datetimeFigureOut">
               <a:rPr lang="en-US" smtClean="0"/>
               <a:pPr/>
-              <a:t>6/7/2017</a:t>
+              <a:t>6/8/2017</a:t>
             </a:fld>
             <a:endParaRPr lang="en-US" dirty="0"/>
           </a:p>
@@ -4065,7 +4069,7 @@
             <a:fld id="{B61BEF0D-F0BB-DE4B-95CE-6DB70DBA9567}" type="datetimeFigureOut">
               <a:rPr lang="en-US" smtClean="0"/>
               <a:pPr/>
-              <a:t>6/7/2017</a:t>
+              <a:t>6/8/2017</a:t>
             </a:fld>
             <a:endParaRPr lang="en-US" dirty="0"/>
           </a:p>
@@ -4190,7 +4194,7 @@
             <a:fld id="{B61BEF0D-F0BB-DE4B-95CE-6DB70DBA9567}" type="datetimeFigureOut">
               <a:rPr lang="en-US" smtClean="0"/>
               <a:pPr/>
-              <a:t>6/7/2017</a:t>
+              <a:t>6/8/2017</a:t>
             </a:fld>
             <a:endParaRPr lang="en-US" dirty="0"/>
           </a:p>
@@ -4287,7 +4291,7 @@
             <a:fld id="{B61BEF0D-F0BB-DE4B-95CE-6DB70DBA9567}" type="datetimeFigureOut">
               <a:rPr lang="en-US" smtClean="0"/>
               <a:pPr/>
-              <a:t>6/7/2017</a:t>
+              <a:t>6/8/2017</a:t>
             </a:fld>
             <a:endParaRPr lang="en-US" dirty="0"/>
           </a:p>
@@ -4572,7 +4576,7 @@
             <a:fld id="{B61BEF0D-F0BB-DE4B-95CE-6DB70DBA9567}" type="datetimeFigureOut">
               <a:rPr lang="en-US" smtClean="0"/>
               <a:pPr/>
-              <a:t>6/7/2017</a:t>
+              <a:t>6/8/2017</a:t>
             </a:fld>
             <a:endParaRPr lang="en-US" dirty="0"/>
           </a:p>
@@ -4768,7 +4772,7 @@
           </a:lstStyle>
           <a:p>
             <a:r>
-              <a:rPr lang="en-US" smtClean="0"/>
+              <a:rPr lang="en-US" dirty="0" smtClean="0"/>
               <a:t>Click icon to add picture</a:t>
             </a:r>
             <a:endParaRPr lang="en-US" dirty="0"/>
@@ -4865,7 +4869,7 @@
             <a:fld id="{B61BEF0D-F0BB-DE4B-95CE-6DB70DBA9567}" type="datetimeFigureOut">
               <a:rPr lang="en-US" smtClean="0"/>
               <a:pPr/>
-              <a:t>6/7/2017</a:t>
+              <a:t>6/8/2017</a:t>
             </a:fld>
             <a:endParaRPr lang="en-US" dirty="0"/>
           </a:p>
@@ -5098,7 +5102,7 @@
             <a:fld id="{B61BEF0D-F0BB-DE4B-95CE-6DB70DBA9567}" type="datetimeFigureOut">
               <a:rPr lang="en-US" smtClean="0"/>
               <a:pPr/>
-              <a:t>6/7/2017</a:t>
+              <a:t>6/8/2017</a:t>
             </a:fld>
             <a:endParaRPr lang="en-US" dirty="0"/>
           </a:p>
@@ -6063,26 +6067,18 @@
               <a:t>Look at local </a:t>
             </a:r>
             <a:r>
-              <a:rPr lang="en-US" dirty="0" err="1" smtClean="0"/>
-              <a:t>Github</a:t>
-            </a:r>
-            <a:r>
-              <a:rPr lang="en-US" dirty="0" smtClean="0"/>
-              <a:t> configuration</a:t>
-            </a:r>
-          </a:p>
-          <a:p>
-            <a:r>
-              <a:rPr lang="en-US" dirty="0" smtClean="0"/>
-              <a:t>User-</a:t>
-            </a:r>
-            <a:r>
-              <a:rPr lang="en-US" dirty="0" err="1" smtClean="0"/>
-              <a:t>FullName</a:t>
-            </a:r>
-            <a:r>
-              <a:rPr lang="en-US" dirty="0" smtClean="0"/>
-              <a:t> and User-Email</a:t>
+              <a:rPr lang="en-US" dirty="0" smtClean="0"/>
+              <a:t>GitHub </a:t>
+            </a:r>
+            <a:r>
+              <a:rPr lang="en-US" dirty="0" smtClean="0"/>
+              <a:t>configuration</a:t>
+            </a:r>
+          </a:p>
+          <a:p>
+            <a:r>
+              <a:rPr lang="en-US" dirty="0" smtClean="0"/>
+              <a:t>User-FullName and User-Email</a:t>
             </a:r>
             <a:endParaRPr lang="en-US" dirty="0"/>
           </a:p>
@@ -6165,30 +6161,20 @@
           <a:p>
             <a:r>
               <a:rPr lang="en-US" dirty="0" smtClean="0"/>
-              <a:t>Single choice to end </a:t>
-            </a:r>
-            <a:r>
-              <a:rPr lang="en-US" dirty="0" smtClean="0"/>
-              <a:t>use</a:t>
-            </a:r>
-          </a:p>
-          <a:p>
-            <a:r>
-              <a:rPr lang="en-US" dirty="0" smtClean="0"/>
-              <a:t>Like a </a:t>
-            </a:r>
-            <a:r>
-              <a:rPr lang="en-US" dirty="0" err="1" smtClean="0"/>
-              <a:t>validateset</a:t>
-            </a:r>
-            <a:endParaRPr lang="en-US" dirty="0" smtClean="0"/>
+              <a:t>Single choice to end use</a:t>
+            </a:r>
+          </a:p>
+          <a:p>
+            <a:r>
+              <a:rPr lang="en-US" dirty="0" smtClean="0"/>
+              <a:t>Like a validateset</a:t>
+            </a:r>
           </a:p>
           <a:p>
             <a:r>
               <a:rPr lang="en-US" dirty="0" smtClean="0"/>
               <a:t>Creates a string</a:t>
             </a:r>
-            <a:endParaRPr lang="en-US" dirty="0" smtClean="0"/>
           </a:p>
           <a:p>
             <a:pPr marL="0" indent="0">
@@ -6251,10 +6237,10 @@
           <a:lstStyle/>
           <a:p>
             <a:r>
-              <a:rPr lang="en-US" dirty="0" err="1" smtClean="0">
+              <a:rPr lang="en-US" dirty="0" smtClean="0">
                 <a:effectLst/>
               </a:rPr>
-              <a:t>multichoice</a:t>
+              <a:t>Multi-choice</a:t>
             </a:r>
             <a:endParaRPr lang="en-US" dirty="0"/>
           </a:p>
@@ -6277,7 +6263,17 @@
           <a:p>
             <a:r>
               <a:rPr lang="en-US" dirty="0" smtClean="0"/>
-              <a:t>Creates an array</a:t>
+              <a:t>Also like a validateset</a:t>
+            </a:r>
+          </a:p>
+          <a:p>
+            <a:r>
+              <a:rPr lang="en-US" dirty="0" smtClean="0"/>
+              <a:t>Creates </a:t>
+            </a:r>
+            <a:r>
+              <a:rPr lang="en-US" dirty="0" smtClean="0"/>
+              <a:t>an array</a:t>
             </a:r>
             <a:endParaRPr lang="en-US" dirty="0"/>
           </a:p>
@@ -6520,11 +6516,24 @@
             <p:ph type="title"/>
           </p:nvPr>
         </p:nvSpPr>
-        <p:spPr/>
-        <p:txBody>
-          <a:bodyPr/>
-          <a:lstStyle/>
-          <a:p>
+        <p:spPr>
+          <a:xfrm>
+            <a:off x="1141413" y="617483"/>
+            <a:ext cx="9905998" cy="1905000"/>
+          </a:xfrm>
+        </p:spPr>
+        <p:txBody>
+          <a:bodyPr/>
+          <a:lstStyle/>
+          <a:p>
+            <a:r>
+              <a:rPr lang="en-US" dirty="0" smtClean="0"/>
+              <a:t>Content </a:t>
+            </a:r>
+            <a:r>
+              <a:rPr lang="en-US" dirty="0" smtClean="0"/>
+              <a:t>Element- </a:t>
+            </a:r>
             <a:r>
               <a:rPr lang="en-US" dirty="0" smtClean="0"/>
               <a:t>New Module Manifest</a:t>
@@ -6610,7 +6619,15 @@
           <a:p>
             <a:r>
               <a:rPr lang="en-US" dirty="0" smtClean="0"/>
-              <a:t>Content Type - File</a:t>
+              <a:t>Content </a:t>
+            </a:r>
+            <a:r>
+              <a:rPr lang="en-US" dirty="0"/>
+              <a:t>Element- - </a:t>
+            </a:r>
+            <a:r>
+              <a:rPr lang="en-US" dirty="0" smtClean="0"/>
+              <a:t>File</a:t>
             </a:r>
             <a:endParaRPr lang="en-US" dirty="0"/>
           </a:p>
@@ -6923,7 +6940,15 @@
           <a:p>
             <a:r>
               <a:rPr lang="en-US" dirty="0" smtClean="0"/>
-              <a:t>Content Type - Message</a:t>
+              <a:t>Content </a:t>
+            </a:r>
+            <a:r>
+              <a:rPr lang="en-US" dirty="0"/>
+              <a:t>Element- - </a:t>
+            </a:r>
+            <a:r>
+              <a:rPr lang="en-US" dirty="0" smtClean="0"/>
+              <a:t>Message</a:t>
             </a:r>
             <a:endParaRPr lang="en-US" dirty="0"/>
           </a:p>
@@ -7012,7 +7037,7 @@
           <a:p>
             <a:r>
               <a:rPr lang="en-US" dirty="0" smtClean="0"/>
-              <a:t>Content Type – Template File</a:t>
+              <a:t>Content Element- Required Modules</a:t>
             </a:r>
             <a:endParaRPr lang="en-US" dirty="0"/>
           </a:p>
@@ -7035,21 +7060,193 @@
           <a:p>
             <a:r>
               <a:rPr lang="en-US" dirty="0" smtClean="0"/>
+              <a:t>Supports minimum and maximum versions</a:t>
+            </a:r>
+          </a:p>
+          <a:p>
+            <a:r>
+              <a:rPr lang="en-US" dirty="0" smtClean="0"/>
+              <a:t>Must use semver (Major.Minor.Patch)</a:t>
+            </a:r>
+            <a:endParaRPr lang="en-US" dirty="0"/>
+          </a:p>
+        </p:txBody>
+      </p:sp>
+    </p:spTree>
+    <p:extLst>
+      <p:ext uri="{BB962C8B-B14F-4D97-AF65-F5344CB8AC3E}">
+        <p14:creationId xmlns:p14="http://schemas.microsoft.com/office/powerpoint/2010/main" val="1730934877"/>
+      </p:ext>
+    </p:extLst>
+  </p:cSld>
+  <p:clrMapOvr>
+    <a:masterClrMapping/>
+  </p:clrMapOvr>
+</p:sld>
+</file>
+
+<file path=ppt/slides/slide22.xml><?xml version="1.0" encoding="utf-8"?>
+<p:sld xmlns:a="http://schemas.openxmlformats.org/drawingml/2006/main" xmlns:r="http://schemas.openxmlformats.org/officeDocument/2006/relationships" xmlns:p="http://schemas.openxmlformats.org/presentationml/2006/main">
+  <p:cSld>
+    <p:spTree>
+      <p:nvGrpSpPr>
+        <p:cNvPr id="1" name=""/>
+        <p:cNvGrpSpPr/>
+        <p:nvPr/>
+      </p:nvGrpSpPr>
+      <p:grpSpPr>
+        <a:xfrm>
+          <a:off x="0" y="0"/>
+          <a:ext cx="0" cy="0"/>
+          <a:chOff x="0" y="0"/>
+          <a:chExt cx="0" cy="0"/>
+        </a:xfrm>
+      </p:grpSpPr>
+      <p:sp>
+        <p:nvSpPr>
+          <p:cNvPr id="2" name="Title 1"/>
+          <p:cNvSpPr>
+            <a:spLocks noGrp="1"/>
+          </p:cNvSpPr>
+          <p:nvPr>
+            <p:ph type="title"/>
+          </p:nvPr>
+        </p:nvSpPr>
+        <p:spPr/>
+        <p:txBody>
+          <a:bodyPr/>
+          <a:lstStyle/>
+          <a:p>
+            <a:r>
+              <a:rPr lang="en-US" dirty="0" smtClean="0"/>
+              <a:t>Content </a:t>
+            </a:r>
+            <a:r>
+              <a:rPr lang="en-US" dirty="0"/>
+              <a:t>Element- - </a:t>
+            </a:r>
+            <a:r>
+              <a:rPr lang="en-US" dirty="0" smtClean="0"/>
+              <a:t>Modify</a:t>
+            </a:r>
+            <a:endParaRPr lang="en-US" dirty="0"/>
+          </a:p>
+        </p:txBody>
+      </p:sp>
+      <p:sp>
+        <p:nvSpPr>
+          <p:cNvPr id="3" name="Content Placeholder 2"/>
+          <p:cNvSpPr>
+            <a:spLocks noGrp="1"/>
+          </p:cNvSpPr>
+          <p:nvPr>
+            <p:ph idx="1"/>
+          </p:nvPr>
+        </p:nvSpPr>
+        <p:spPr/>
+        <p:txBody>
+          <a:bodyPr/>
+          <a:lstStyle/>
+          <a:p>
+            <a:r>
+              <a:rPr lang="en-US" dirty="0" smtClean="0"/>
+              <a:t>Need to copy files first</a:t>
+            </a:r>
+          </a:p>
+          <a:p>
+            <a:r>
+              <a:rPr lang="en-US" dirty="0" smtClean="0"/>
+              <a:t>Regex Replace on content</a:t>
+            </a:r>
+            <a:endParaRPr lang="en-US" dirty="0"/>
+          </a:p>
+        </p:txBody>
+      </p:sp>
+    </p:spTree>
+    <p:extLst>
+      <p:ext uri="{BB962C8B-B14F-4D97-AF65-F5344CB8AC3E}">
+        <p14:creationId xmlns:p14="http://schemas.microsoft.com/office/powerpoint/2010/main" val="863034979"/>
+      </p:ext>
+    </p:extLst>
+  </p:cSld>
+  <p:clrMapOvr>
+    <a:masterClrMapping/>
+  </p:clrMapOvr>
+</p:sld>
+</file>
+
+<file path=ppt/slides/slide23.xml><?xml version="1.0" encoding="utf-8"?>
+<p:sld xmlns:a="http://schemas.openxmlformats.org/drawingml/2006/main" xmlns:r="http://schemas.openxmlformats.org/officeDocument/2006/relationships" xmlns:p="http://schemas.openxmlformats.org/presentationml/2006/main">
+  <p:cSld>
+    <p:spTree>
+      <p:nvGrpSpPr>
+        <p:cNvPr id="1" name=""/>
+        <p:cNvGrpSpPr/>
+        <p:nvPr/>
+      </p:nvGrpSpPr>
+      <p:grpSpPr>
+        <a:xfrm>
+          <a:off x="0" y="0"/>
+          <a:ext cx="0" cy="0"/>
+          <a:chOff x="0" y="0"/>
+          <a:chExt cx="0" cy="0"/>
+        </a:xfrm>
+      </p:grpSpPr>
+      <p:sp>
+        <p:nvSpPr>
+          <p:cNvPr id="2" name="Title 1"/>
+          <p:cNvSpPr>
+            <a:spLocks noGrp="1"/>
+          </p:cNvSpPr>
+          <p:nvPr>
+            <p:ph type="title"/>
+          </p:nvPr>
+        </p:nvSpPr>
+        <p:spPr/>
+        <p:txBody>
+          <a:bodyPr/>
+          <a:lstStyle/>
+          <a:p>
+            <a:r>
+              <a:rPr lang="en-US" dirty="0" smtClean="0"/>
+              <a:t>Content </a:t>
+            </a:r>
+            <a:r>
+              <a:rPr lang="en-US" dirty="0"/>
+              <a:t>Element- – </a:t>
+            </a:r>
+            <a:r>
+              <a:rPr lang="en-US" dirty="0" smtClean="0"/>
+              <a:t>Template File</a:t>
+            </a:r>
+            <a:endParaRPr lang="en-US" dirty="0"/>
+          </a:p>
+        </p:txBody>
+      </p:sp>
+      <p:sp>
+        <p:nvSpPr>
+          <p:cNvPr id="3" name="Content Placeholder 2"/>
+          <p:cNvSpPr>
+            <a:spLocks noGrp="1"/>
+          </p:cNvSpPr>
+          <p:nvPr>
+            <p:ph idx="1"/>
+          </p:nvPr>
+        </p:nvSpPr>
+        <p:spPr/>
+        <p:txBody>
+          <a:bodyPr/>
+          <a:lstStyle/>
+          <a:p>
+            <a:r>
+              <a:rPr lang="en-US" dirty="0" smtClean="0"/>
               <a:t>Most powerful</a:t>
             </a:r>
           </a:p>
           <a:p>
             <a:r>
               <a:rPr lang="en-US" dirty="0" smtClean="0"/>
-              <a:t>Uses </a:t>
-            </a:r>
-            <a:r>
-              <a:rPr lang="en-US" dirty="0" err="1" smtClean="0"/>
-              <a:t>scriptblocks</a:t>
-            </a:r>
-            <a:r>
-              <a:rPr lang="en-US" dirty="0" smtClean="0"/>
-              <a:t> inline to generate content</a:t>
+              <a:t>Uses scriptblocks inline to generate content</a:t>
             </a:r>
             <a:endParaRPr lang="en-US" dirty="0"/>
           </a:p>
@@ -7243,11 +7440,7 @@
           <a:p>
             <a:r>
               <a:rPr lang="en-US" dirty="0"/>
-              <a:t>Find-Module -Name Plaster -Repository </a:t>
-            </a:r>
-            <a:r>
-              <a:rPr lang="en-US" dirty="0" err="1"/>
-              <a:t>PSGallery</a:t>
+              <a:t>Find-Module -Name Plaster -Repository PSGallery</a:t>
             </a:r>
             <a:endParaRPr lang="en-US" dirty="0" smtClean="0"/>
           </a:p>
@@ -7335,13 +7528,8 @@
           <a:p>
             <a:r>
               <a:rPr lang="en-US" dirty="0" smtClean="0"/>
-              <a:t>Get-</a:t>
-            </a:r>
-            <a:r>
-              <a:rPr lang="en-US" dirty="0" err="1" smtClean="0"/>
-              <a:t>PlasterTemplate</a:t>
-            </a:r>
-            <a:endParaRPr lang="en-US" dirty="0" smtClean="0"/>
+              <a:t>Get-PlasterTemplate</a:t>
+            </a:r>
           </a:p>
           <a:p>
             <a:r>
@@ -7352,24 +7540,14 @@
           <a:p>
             <a:r>
               <a:rPr lang="en-US" dirty="0" smtClean="0"/>
-              <a:t>New-</a:t>
-            </a:r>
-            <a:r>
-              <a:rPr lang="en-US" dirty="0" err="1" smtClean="0"/>
-              <a:t>PlasterManifest</a:t>
-            </a:r>
-            <a:endParaRPr lang="en-US" dirty="0" smtClean="0"/>
+              <a:t>New-PlasterManifest</a:t>
+            </a:r>
           </a:p>
           <a:p>
             <a:r>
               <a:rPr lang="en-US" dirty="0"/>
-              <a:t>Test-</a:t>
-            </a:r>
-            <a:r>
-              <a:rPr lang="en-US" dirty="0" err="1"/>
-              <a:t>PlasterManifest</a:t>
-            </a:r>
-            <a:endParaRPr lang="en-US" dirty="0"/>
+              <a:t>Test-PlasterManifest</a:t>
+            </a:r>
           </a:p>
         </p:txBody>
       </p:sp>
@@ -7537,15 +7715,7 @@
             </a:r>
             <a:r>
               <a:rPr lang="en-US" dirty="0" smtClean="0"/>
-              <a:t>New-</a:t>
-            </a:r>
-            <a:r>
-              <a:rPr lang="en-US" dirty="0" err="1" smtClean="0"/>
-              <a:t>PlasterManifest</a:t>
-            </a:r>
-            <a:r>
-              <a:rPr lang="en-US" dirty="0" smtClean="0"/>
-              <a:t> cmdlet</a:t>
+              <a:t>New-PlasterManifest cmdlet</a:t>
             </a:r>
             <a:endParaRPr lang="en-US" dirty="0"/>
           </a:p>
@@ -7711,8 +7881,8 @@
           <a:lstStyle/>
           <a:p>
             <a:r>
-              <a:rPr lang="en-US" dirty="0" err="1" smtClean="0"/>
-              <a:t>Meatadata</a:t>
+              <a:rPr lang="en-US" dirty="0" smtClean="0"/>
+              <a:t>Metadata</a:t>
             </a:r>
             <a:endParaRPr lang="en-US" dirty="0"/>
           </a:p>

--- a/Working with Plaster.pptx
+++ b/Working with Plaster.pptx
@@ -28,6 +28,8 @@
     <p:sldId id="278" r:id="rId22"/>
     <p:sldId id="277" r:id="rId23"/>
     <p:sldId id="276" r:id="rId24"/>
+    <p:sldId id="279" r:id="rId25"/>
+    <p:sldId id="280" r:id="rId26"/>
   </p:sldIdLst>
   <p:sldSz cx="12192000" cy="6858000"/>
   <p:notesSz cx="6858000" cy="9144000"/>
@@ -162,6 +164,8 @@
             <p14:sldId id="278"/>
             <p14:sldId id="277"/>
             <p14:sldId id="276"/>
+            <p14:sldId id="279"/>
+            <p14:sldId id="280"/>
           </p14:sldIdLst>
         </p14:section>
       </p14:sectionLst>
@@ -376,7 +380,7 @@
             <a:fld id="{B61BEF0D-F0BB-DE4B-95CE-6DB70DBA9567}" type="datetimeFigureOut">
               <a:rPr lang="en-US" smtClean="0"/>
               <a:pPr/>
-              <a:t>6/8/2017</a:t>
+              <a:t>6/10/2017</a:t>
             </a:fld>
             <a:endParaRPr lang="en-US" dirty="0"/>
           </a:p>
@@ -669,7 +673,7 @@
             <a:fld id="{B61BEF0D-F0BB-DE4B-95CE-6DB70DBA9567}" type="datetimeFigureOut">
               <a:rPr lang="en-US" smtClean="0"/>
               <a:pPr/>
-              <a:t>6/8/2017</a:t>
+              <a:t>6/10/2017</a:t>
             </a:fld>
             <a:endParaRPr lang="en-US" dirty="0"/>
           </a:p>
@@ -919,7 +923,7 @@
             <a:fld id="{B61BEF0D-F0BB-DE4B-95CE-6DB70DBA9567}" type="datetimeFigureOut">
               <a:rPr lang="en-US" smtClean="0"/>
               <a:pPr/>
-              <a:t>6/8/2017</a:t>
+              <a:t>6/10/2017</a:t>
             </a:fld>
             <a:endParaRPr lang="en-US" dirty="0"/>
           </a:p>
@@ -1457,7 +1461,7 @@
             <a:fld id="{B61BEF0D-F0BB-DE4B-95CE-6DB70DBA9567}" type="datetimeFigureOut">
               <a:rPr lang="en-US" smtClean="0"/>
               <a:pPr/>
-              <a:t>6/8/2017</a:t>
+              <a:t>6/10/2017</a:t>
             </a:fld>
             <a:endParaRPr lang="en-US" dirty="0"/>
           </a:p>
@@ -1707,7 +1711,7 @@
             <a:fld id="{B61BEF0D-F0BB-DE4B-95CE-6DB70DBA9567}" type="datetimeFigureOut">
               <a:rPr lang="en-US" smtClean="0"/>
               <a:pPr/>
-              <a:t>6/8/2017</a:t>
+              <a:t>6/10/2017</a:t>
             </a:fld>
             <a:endParaRPr lang="en-US" dirty="0"/>
           </a:p>
@@ -2252,7 +2256,7 @@
             <a:fld id="{B61BEF0D-F0BB-DE4B-95CE-6DB70DBA9567}" type="datetimeFigureOut">
               <a:rPr lang="en-US" smtClean="0"/>
               <a:pPr/>
-              <a:t>6/8/2017</a:t>
+              <a:t>6/10/2017</a:t>
             </a:fld>
             <a:endParaRPr lang="en-US" dirty="0"/>
           </a:p>
@@ -2564,7 +2568,7 @@
             <a:fld id="{B61BEF0D-F0BB-DE4B-95CE-6DB70DBA9567}" type="datetimeFigureOut">
               <a:rPr lang="en-US" smtClean="0"/>
               <a:pPr/>
-              <a:t>6/8/2017</a:t>
+              <a:t>6/10/2017</a:t>
             </a:fld>
             <a:endParaRPr lang="en-US" dirty="0"/>
           </a:p>
@@ -2741,7 +2745,7 @@
             <a:fld id="{B61BEF0D-F0BB-DE4B-95CE-6DB70DBA9567}" type="datetimeFigureOut">
               <a:rPr lang="en-US" smtClean="0"/>
               <a:pPr/>
-              <a:t>6/8/2017</a:t>
+              <a:t>6/10/2017</a:t>
             </a:fld>
             <a:endParaRPr lang="en-US" dirty="0"/>
           </a:p>
@@ -2923,7 +2927,7 @@
             <a:fld id="{B61BEF0D-F0BB-DE4B-95CE-6DB70DBA9567}" type="datetimeFigureOut">
               <a:rPr lang="en-US" smtClean="0"/>
               <a:pPr/>
-              <a:t>6/8/2017</a:t>
+              <a:t>6/10/2017</a:t>
             </a:fld>
             <a:endParaRPr lang="en-US" dirty="0"/>
           </a:p>
@@ -3095,7 +3099,7 @@
             <a:fld id="{B61BEF0D-F0BB-DE4B-95CE-6DB70DBA9567}" type="datetimeFigureOut">
               <a:rPr lang="en-US" smtClean="0"/>
               <a:pPr/>
-              <a:t>6/8/2017</a:t>
+              <a:t>6/10/2017</a:t>
             </a:fld>
             <a:endParaRPr lang="en-US" dirty="0"/>
           </a:p>
@@ -3343,7 +3347,7 @@
             <a:fld id="{B61BEF0D-F0BB-DE4B-95CE-6DB70DBA9567}" type="datetimeFigureOut">
               <a:rPr lang="en-US" smtClean="0"/>
               <a:pPr/>
-              <a:t>6/8/2017</a:t>
+              <a:t>6/10/2017</a:t>
             </a:fld>
             <a:endParaRPr lang="en-US" dirty="0"/>
           </a:p>
@@ -3637,7 +3641,7 @@
             <a:fld id="{B61BEF0D-F0BB-DE4B-95CE-6DB70DBA9567}" type="datetimeFigureOut">
               <a:rPr lang="en-US" smtClean="0"/>
               <a:pPr/>
-              <a:t>6/8/2017</a:t>
+              <a:t>6/10/2017</a:t>
             </a:fld>
             <a:endParaRPr lang="en-US" dirty="0"/>
           </a:p>
@@ -4069,7 +4073,7 @@
             <a:fld id="{B61BEF0D-F0BB-DE4B-95CE-6DB70DBA9567}" type="datetimeFigureOut">
               <a:rPr lang="en-US" smtClean="0"/>
               <a:pPr/>
-              <a:t>6/8/2017</a:t>
+              <a:t>6/10/2017</a:t>
             </a:fld>
             <a:endParaRPr lang="en-US" dirty="0"/>
           </a:p>
@@ -4194,7 +4198,7 @@
             <a:fld id="{B61BEF0D-F0BB-DE4B-95CE-6DB70DBA9567}" type="datetimeFigureOut">
               <a:rPr lang="en-US" smtClean="0"/>
               <a:pPr/>
-              <a:t>6/8/2017</a:t>
+              <a:t>6/10/2017</a:t>
             </a:fld>
             <a:endParaRPr lang="en-US" dirty="0"/>
           </a:p>
@@ -4291,7 +4295,7 @@
             <a:fld id="{B61BEF0D-F0BB-DE4B-95CE-6DB70DBA9567}" type="datetimeFigureOut">
               <a:rPr lang="en-US" smtClean="0"/>
               <a:pPr/>
-              <a:t>6/8/2017</a:t>
+              <a:t>6/10/2017</a:t>
             </a:fld>
             <a:endParaRPr lang="en-US" dirty="0"/>
           </a:p>
@@ -4576,7 +4580,7 @@
             <a:fld id="{B61BEF0D-F0BB-DE4B-95CE-6DB70DBA9567}" type="datetimeFigureOut">
               <a:rPr lang="en-US" smtClean="0"/>
               <a:pPr/>
-              <a:t>6/8/2017</a:t>
+              <a:t>6/10/2017</a:t>
             </a:fld>
             <a:endParaRPr lang="en-US" dirty="0"/>
           </a:p>
@@ -4869,7 +4873,7 @@
             <a:fld id="{B61BEF0D-F0BB-DE4B-95CE-6DB70DBA9567}" type="datetimeFigureOut">
               <a:rPr lang="en-US" smtClean="0"/>
               <a:pPr/>
-              <a:t>6/8/2017</a:t>
+              <a:t>6/10/2017</a:t>
             </a:fld>
             <a:endParaRPr lang="en-US" dirty="0"/>
           </a:p>
@@ -5102,7 +5106,7 @@
             <a:fld id="{B61BEF0D-F0BB-DE4B-95CE-6DB70DBA9567}" type="datetimeFigureOut">
               <a:rPr lang="en-US" smtClean="0"/>
               <a:pPr/>
-              <a:t>6/8/2017</a:t>
+              <a:t>6/10/2017</a:t>
             </a:fld>
             <a:endParaRPr lang="en-US" dirty="0"/>
           </a:p>
@@ -6064,15 +6068,7 @@
           <a:p>
             <a:r>
               <a:rPr lang="en-US" dirty="0" smtClean="0"/>
-              <a:t>Look at local </a:t>
-            </a:r>
-            <a:r>
-              <a:rPr lang="en-US" dirty="0" smtClean="0"/>
-              <a:t>GitHub </a:t>
-            </a:r>
-            <a:r>
-              <a:rPr lang="en-US" dirty="0" smtClean="0"/>
-              <a:t>configuration</a:t>
+              <a:t>Look at local GitHub configuration</a:t>
             </a:r>
           </a:p>
           <a:p>
@@ -6269,11 +6265,7 @@
           <a:p>
             <a:r>
               <a:rPr lang="en-US" dirty="0" smtClean="0"/>
-              <a:t>Creates </a:t>
-            </a:r>
-            <a:r>
-              <a:rPr lang="en-US" dirty="0" smtClean="0"/>
-              <a:t>an array</a:t>
+              <a:t>Creates an array</a:t>
             </a:r>
             <a:endParaRPr lang="en-US" dirty="0"/>
           </a:p>
@@ -6528,15 +6520,7 @@
           <a:p>
             <a:r>
               <a:rPr lang="en-US" dirty="0" smtClean="0"/>
-              <a:t>Content </a:t>
-            </a:r>
-            <a:r>
-              <a:rPr lang="en-US" dirty="0" smtClean="0"/>
-              <a:t>Element- </a:t>
-            </a:r>
-            <a:r>
-              <a:rPr lang="en-US" dirty="0" smtClean="0"/>
-              <a:t>New Module Manifest</a:t>
+              <a:t>Content Element- New Module Manifest</a:t>
             </a:r>
             <a:endParaRPr lang="en-US" dirty="0"/>
           </a:p>
@@ -7256,6 +7240,215 @@
     <p:extLst>
       <p:ext uri="{BB962C8B-B14F-4D97-AF65-F5344CB8AC3E}">
         <p14:creationId xmlns:p14="http://schemas.microsoft.com/office/powerpoint/2010/main" val="196045744"/>
+      </p:ext>
+    </p:extLst>
+  </p:cSld>
+  <p:clrMapOvr>
+    <a:masterClrMapping/>
+  </p:clrMapOvr>
+</p:sld>
+</file>
+
+<file path=ppt/slides/slide24.xml><?xml version="1.0" encoding="utf-8"?>
+<p:sld xmlns:a="http://schemas.openxmlformats.org/drawingml/2006/main" xmlns:r="http://schemas.openxmlformats.org/officeDocument/2006/relationships" xmlns:p="http://schemas.openxmlformats.org/presentationml/2006/main">
+  <p:cSld>
+    <p:spTree>
+      <p:nvGrpSpPr>
+        <p:cNvPr id="1" name=""/>
+        <p:cNvGrpSpPr/>
+        <p:nvPr/>
+      </p:nvGrpSpPr>
+      <p:grpSpPr>
+        <a:xfrm>
+          <a:off x="0" y="0"/>
+          <a:ext cx="0" cy="0"/>
+          <a:chOff x="0" y="0"/>
+          <a:chExt cx="0" cy="0"/>
+        </a:xfrm>
+      </p:grpSpPr>
+      <p:sp>
+        <p:nvSpPr>
+          <p:cNvPr id="2" name="Title 1"/>
+          <p:cNvSpPr>
+            <a:spLocks noGrp="1"/>
+          </p:cNvSpPr>
+          <p:nvPr>
+            <p:ph type="title"/>
+          </p:nvPr>
+        </p:nvSpPr>
+        <p:spPr/>
+        <p:txBody>
+          <a:bodyPr/>
+          <a:lstStyle/>
+          <a:p>
+            <a:r>
+              <a:rPr lang="en-US" dirty="0" smtClean="0"/>
+              <a:t>Skipping the Wizard</a:t>
+            </a:r>
+            <a:endParaRPr lang="en-US" dirty="0"/>
+          </a:p>
+        </p:txBody>
+      </p:sp>
+      <p:sp>
+        <p:nvSpPr>
+          <p:cNvPr id="3" name="Content Placeholder 2"/>
+          <p:cNvSpPr>
+            <a:spLocks noGrp="1"/>
+          </p:cNvSpPr>
+          <p:nvPr>
+            <p:ph idx="1"/>
+          </p:nvPr>
+        </p:nvSpPr>
+        <p:spPr/>
+        <p:txBody>
+          <a:bodyPr/>
+          <a:lstStyle/>
+          <a:p>
+            <a:r>
+              <a:rPr lang="en-US" dirty="0" smtClean="0"/>
+              <a:t>Plaster creates dynamic parameters from its manifest</a:t>
+            </a:r>
+          </a:p>
+          <a:p>
+            <a:r>
+              <a:rPr lang="en-US" dirty="0" smtClean="0"/>
+              <a:t>Great for large automation</a:t>
+            </a:r>
+            <a:endParaRPr lang="en-US" dirty="0"/>
+          </a:p>
+        </p:txBody>
+      </p:sp>
+    </p:spTree>
+    <p:extLst>
+      <p:ext uri="{BB962C8B-B14F-4D97-AF65-F5344CB8AC3E}">
+        <p14:creationId xmlns:p14="http://schemas.microsoft.com/office/powerpoint/2010/main" val="290777509"/>
+      </p:ext>
+    </p:extLst>
+  </p:cSld>
+  <p:clrMapOvr>
+    <a:masterClrMapping/>
+  </p:clrMapOvr>
+</p:sld>
+</file>
+
+<file path=ppt/slides/slide25.xml><?xml version="1.0" encoding="utf-8"?>
+<p:sld xmlns:a="http://schemas.openxmlformats.org/drawingml/2006/main" xmlns:r="http://schemas.openxmlformats.org/officeDocument/2006/relationships" xmlns:p="http://schemas.openxmlformats.org/presentationml/2006/main">
+  <p:cSld>
+    <p:spTree>
+      <p:nvGrpSpPr>
+        <p:cNvPr id="1" name=""/>
+        <p:cNvGrpSpPr/>
+        <p:nvPr/>
+      </p:nvGrpSpPr>
+      <p:grpSpPr>
+        <a:xfrm>
+          <a:off x="0" y="0"/>
+          <a:ext cx="0" cy="0"/>
+          <a:chOff x="0" y="0"/>
+          <a:chExt cx="0" cy="0"/>
+        </a:xfrm>
+      </p:grpSpPr>
+      <p:sp>
+        <p:nvSpPr>
+          <p:cNvPr id="2" name="Title 1"/>
+          <p:cNvSpPr>
+            <a:spLocks noGrp="1"/>
+          </p:cNvSpPr>
+          <p:nvPr>
+            <p:ph type="title"/>
+          </p:nvPr>
+        </p:nvSpPr>
+        <p:spPr/>
+        <p:txBody>
+          <a:bodyPr/>
+          <a:lstStyle/>
+          <a:p>
+            <a:r>
+              <a:rPr lang="en-US" dirty="0" smtClean="0"/>
+              <a:t>Tagging Modules</a:t>
+            </a:r>
+            <a:endParaRPr lang="en-US" dirty="0"/>
+          </a:p>
+        </p:txBody>
+      </p:sp>
+      <p:sp>
+        <p:nvSpPr>
+          <p:cNvPr id="5" name="Rectangle 4"/>
+          <p:cNvSpPr/>
+          <p:nvPr/>
+        </p:nvSpPr>
+        <p:spPr>
+          <a:xfrm>
+            <a:off x="1345323" y="2922326"/>
+            <a:ext cx="7223235" cy="1754326"/>
+          </a:xfrm>
+          <a:prstGeom prst="rect">
+            <a:avLst/>
+          </a:prstGeom>
+        </p:spPr>
+        <p:txBody>
+          <a:bodyPr wrap="square">
+            <a:spAutoFit/>
+          </a:bodyPr>
+          <a:lstStyle/>
+          <a:p>
+            <a:r>
+              <a:rPr lang="en-US" dirty="0"/>
+              <a:t>Extensions = @{</a:t>
+            </a:r>
+          </a:p>
+          <a:p>
+            <a:r>
+              <a:rPr lang="en-US" dirty="0"/>
+              <a:t>                Module  = 'Plaster'</a:t>
+            </a:r>
+          </a:p>
+          <a:p>
+            <a:r>
+              <a:rPr lang="en-US"/>
+              <a:t>                </a:t>
+            </a:r>
+            <a:r>
+              <a:rPr lang="en-US" smtClean="0"/>
+              <a:t>Details </a:t>
+            </a:r>
+            <a:r>
+              <a:rPr lang="en-US" dirty="0"/>
+              <a:t>= @{</a:t>
+            </a:r>
+          </a:p>
+          <a:p>
+            <a:r>
+              <a:rPr lang="en-US" dirty="0"/>
+              <a:t>                    </a:t>
+            </a:r>
+            <a:r>
+              <a:rPr lang="en-US" dirty="0" err="1"/>
+              <a:t>TemplatePaths</a:t>
+            </a:r>
+            <a:r>
+              <a:rPr lang="en-US" dirty="0"/>
+              <a:t> = @('function', 'module')</a:t>
+            </a:r>
+          </a:p>
+          <a:p>
+            <a:r>
+              <a:rPr lang="en-US" dirty="0"/>
+              <a:t>                }</a:t>
+            </a:r>
+          </a:p>
+          <a:p>
+            <a:r>
+              <a:rPr lang="en-US" dirty="0"/>
+              <a:t>            }</a:t>
+            </a:r>
+          </a:p>
+        </p:txBody>
+      </p:sp>
+    </p:spTree>
+    <p:extLst>
+      <p:ext uri="{BB962C8B-B14F-4D97-AF65-F5344CB8AC3E}">
+        <p14:creationId xmlns:p14="http://schemas.microsoft.com/office/powerpoint/2010/main" val="2076968825"/>
       </p:ext>
     </p:extLst>
   </p:cSld>

--- a/Working with Plaster.pptx
+++ b/Working with Plaster.pptx
@@ -26,10 +26,12 @@
     <p:sldId id="271" r:id="rId20"/>
     <p:sldId id="275" r:id="rId21"/>
     <p:sldId id="278" r:id="rId22"/>
-    <p:sldId id="277" r:id="rId23"/>
-    <p:sldId id="276" r:id="rId24"/>
-    <p:sldId id="279" r:id="rId25"/>
-    <p:sldId id="280" r:id="rId26"/>
+    <p:sldId id="281" r:id="rId23"/>
+    <p:sldId id="277" r:id="rId24"/>
+    <p:sldId id="276" r:id="rId25"/>
+    <p:sldId id="282" r:id="rId26"/>
+    <p:sldId id="279" r:id="rId27"/>
+    <p:sldId id="280" r:id="rId28"/>
   </p:sldIdLst>
   <p:sldSz cx="12192000" cy="6858000"/>
   <p:notesSz cx="6858000" cy="9144000"/>
@@ -162,8 +164,10 @@
             <p14:sldId id="271"/>
             <p14:sldId id="275"/>
             <p14:sldId id="278"/>
+            <p14:sldId id="281"/>
             <p14:sldId id="277"/>
             <p14:sldId id="276"/>
+            <p14:sldId id="282"/>
             <p14:sldId id="279"/>
             <p14:sldId id="280"/>
           </p14:sldIdLst>
@@ -380,7 +384,7 @@
             <a:fld id="{B61BEF0D-F0BB-DE4B-95CE-6DB70DBA9567}" type="datetimeFigureOut">
               <a:rPr lang="en-US" smtClean="0"/>
               <a:pPr/>
-              <a:t>6/10/2017</a:t>
+              <a:t>6/13/2017</a:t>
             </a:fld>
             <a:endParaRPr lang="en-US" dirty="0"/>
           </a:p>
@@ -673,7 +677,7 @@
             <a:fld id="{B61BEF0D-F0BB-DE4B-95CE-6DB70DBA9567}" type="datetimeFigureOut">
               <a:rPr lang="en-US" smtClean="0"/>
               <a:pPr/>
-              <a:t>6/10/2017</a:t>
+              <a:t>6/13/2017</a:t>
             </a:fld>
             <a:endParaRPr lang="en-US" dirty="0"/>
           </a:p>
@@ -923,7 +927,7 @@
             <a:fld id="{B61BEF0D-F0BB-DE4B-95CE-6DB70DBA9567}" type="datetimeFigureOut">
               <a:rPr lang="en-US" smtClean="0"/>
               <a:pPr/>
-              <a:t>6/10/2017</a:t>
+              <a:t>6/13/2017</a:t>
             </a:fld>
             <a:endParaRPr lang="en-US" dirty="0"/>
           </a:p>
@@ -1461,7 +1465,7 @@
             <a:fld id="{B61BEF0D-F0BB-DE4B-95CE-6DB70DBA9567}" type="datetimeFigureOut">
               <a:rPr lang="en-US" smtClean="0"/>
               <a:pPr/>
-              <a:t>6/10/2017</a:t>
+              <a:t>6/13/2017</a:t>
             </a:fld>
             <a:endParaRPr lang="en-US" dirty="0"/>
           </a:p>
@@ -1711,7 +1715,7 @@
             <a:fld id="{B61BEF0D-F0BB-DE4B-95CE-6DB70DBA9567}" type="datetimeFigureOut">
               <a:rPr lang="en-US" smtClean="0"/>
               <a:pPr/>
-              <a:t>6/10/2017</a:t>
+              <a:t>6/13/2017</a:t>
             </a:fld>
             <a:endParaRPr lang="en-US" dirty="0"/>
           </a:p>
@@ -2256,7 +2260,7 @@
             <a:fld id="{B61BEF0D-F0BB-DE4B-95CE-6DB70DBA9567}" type="datetimeFigureOut">
               <a:rPr lang="en-US" smtClean="0"/>
               <a:pPr/>
-              <a:t>6/10/2017</a:t>
+              <a:t>6/13/2017</a:t>
             </a:fld>
             <a:endParaRPr lang="en-US" dirty="0"/>
           </a:p>
@@ -2568,7 +2572,7 @@
             <a:fld id="{B61BEF0D-F0BB-DE4B-95CE-6DB70DBA9567}" type="datetimeFigureOut">
               <a:rPr lang="en-US" smtClean="0"/>
               <a:pPr/>
-              <a:t>6/10/2017</a:t>
+              <a:t>6/13/2017</a:t>
             </a:fld>
             <a:endParaRPr lang="en-US" dirty="0"/>
           </a:p>
@@ -2745,7 +2749,7 @@
             <a:fld id="{B61BEF0D-F0BB-DE4B-95CE-6DB70DBA9567}" type="datetimeFigureOut">
               <a:rPr lang="en-US" smtClean="0"/>
               <a:pPr/>
-              <a:t>6/10/2017</a:t>
+              <a:t>6/13/2017</a:t>
             </a:fld>
             <a:endParaRPr lang="en-US" dirty="0"/>
           </a:p>
@@ -2927,7 +2931,7 @@
             <a:fld id="{B61BEF0D-F0BB-DE4B-95CE-6DB70DBA9567}" type="datetimeFigureOut">
               <a:rPr lang="en-US" smtClean="0"/>
               <a:pPr/>
-              <a:t>6/10/2017</a:t>
+              <a:t>6/13/2017</a:t>
             </a:fld>
             <a:endParaRPr lang="en-US" dirty="0"/>
           </a:p>
@@ -3099,7 +3103,7 @@
             <a:fld id="{B61BEF0D-F0BB-DE4B-95CE-6DB70DBA9567}" type="datetimeFigureOut">
               <a:rPr lang="en-US" smtClean="0"/>
               <a:pPr/>
-              <a:t>6/10/2017</a:t>
+              <a:t>6/13/2017</a:t>
             </a:fld>
             <a:endParaRPr lang="en-US" dirty="0"/>
           </a:p>
@@ -3347,7 +3351,7 @@
             <a:fld id="{B61BEF0D-F0BB-DE4B-95CE-6DB70DBA9567}" type="datetimeFigureOut">
               <a:rPr lang="en-US" smtClean="0"/>
               <a:pPr/>
-              <a:t>6/10/2017</a:t>
+              <a:t>6/13/2017</a:t>
             </a:fld>
             <a:endParaRPr lang="en-US" dirty="0"/>
           </a:p>
@@ -3641,7 +3645,7 @@
             <a:fld id="{B61BEF0D-F0BB-DE4B-95CE-6DB70DBA9567}" type="datetimeFigureOut">
               <a:rPr lang="en-US" smtClean="0"/>
               <a:pPr/>
-              <a:t>6/10/2017</a:t>
+              <a:t>6/13/2017</a:t>
             </a:fld>
             <a:endParaRPr lang="en-US" dirty="0"/>
           </a:p>
@@ -4073,7 +4077,7 @@
             <a:fld id="{B61BEF0D-F0BB-DE4B-95CE-6DB70DBA9567}" type="datetimeFigureOut">
               <a:rPr lang="en-US" smtClean="0"/>
               <a:pPr/>
-              <a:t>6/10/2017</a:t>
+              <a:t>6/13/2017</a:t>
             </a:fld>
             <a:endParaRPr lang="en-US" dirty="0"/>
           </a:p>
@@ -4198,7 +4202,7 @@
             <a:fld id="{B61BEF0D-F0BB-DE4B-95CE-6DB70DBA9567}" type="datetimeFigureOut">
               <a:rPr lang="en-US" smtClean="0"/>
               <a:pPr/>
-              <a:t>6/10/2017</a:t>
+              <a:t>6/13/2017</a:t>
             </a:fld>
             <a:endParaRPr lang="en-US" dirty="0"/>
           </a:p>
@@ -4295,7 +4299,7 @@
             <a:fld id="{B61BEF0D-F0BB-DE4B-95CE-6DB70DBA9567}" type="datetimeFigureOut">
               <a:rPr lang="en-US" smtClean="0"/>
               <a:pPr/>
-              <a:t>6/10/2017</a:t>
+              <a:t>6/13/2017</a:t>
             </a:fld>
             <a:endParaRPr lang="en-US" dirty="0"/>
           </a:p>
@@ -4580,7 +4584,7 @@
             <a:fld id="{B61BEF0D-F0BB-DE4B-95CE-6DB70DBA9567}" type="datetimeFigureOut">
               <a:rPr lang="en-US" smtClean="0"/>
               <a:pPr/>
-              <a:t>6/10/2017</a:t>
+              <a:t>6/13/2017</a:t>
             </a:fld>
             <a:endParaRPr lang="en-US" dirty="0"/>
           </a:p>
@@ -4873,7 +4877,7 @@
             <a:fld id="{B61BEF0D-F0BB-DE4B-95CE-6DB70DBA9567}" type="datetimeFigureOut">
               <a:rPr lang="en-US" smtClean="0"/>
               <a:pPr/>
-              <a:t>6/10/2017</a:t>
+              <a:t>6/13/2017</a:t>
             </a:fld>
             <a:endParaRPr lang="en-US" dirty="0"/>
           </a:p>
@@ -5106,7 +5110,7 @@
             <a:fld id="{B61BEF0D-F0BB-DE4B-95CE-6DB70DBA9567}" type="datetimeFigureOut">
               <a:rPr lang="en-US" smtClean="0"/>
               <a:pPr/>
-              <a:t>6/10/2017</a:t>
+              <a:t>6/13/2017</a:t>
             </a:fld>
             <a:endParaRPr lang="en-US" dirty="0"/>
           </a:p>
@@ -7066,6 +7070,13 @@
   <p:clrMapOvr>
     <a:masterClrMapping/>
   </p:clrMapOvr>
+  <p:timing>
+    <p:tnLst>
+      <p:par>
+        <p:cTn id="1" dur="indefinite" restart="never" nodeType="tmRoot"/>
+      </p:par>
+    </p:tnLst>
+  </p:timing>
 </p:sld>
 </file>
 
@@ -7103,15 +7114,7 @@
           <a:p>
             <a:r>
               <a:rPr lang="en-US" dirty="0" smtClean="0"/>
-              <a:t>Content </a:t>
-            </a:r>
-            <a:r>
-              <a:rPr lang="en-US" dirty="0"/>
-              <a:t>Element- - </a:t>
-            </a:r>
-            <a:r>
-              <a:rPr lang="en-US" dirty="0" smtClean="0"/>
-              <a:t>Modify</a:t>
+              <a:t>Creating a Function Example</a:t>
             </a:r>
             <a:endParaRPr lang="en-US" dirty="0"/>
           </a:p>
@@ -7132,16 +7135,6 @@
           <a:bodyPr/>
           <a:lstStyle/>
           <a:p>
-            <a:r>
-              <a:rPr lang="en-US" dirty="0" smtClean="0"/>
-              <a:t>Need to copy files first</a:t>
-            </a:r>
-          </a:p>
-          <a:p>
-            <a:r>
-              <a:rPr lang="en-US" dirty="0" smtClean="0"/>
-              <a:t>Regex Replace on content</a:t>
-            </a:r>
             <a:endParaRPr lang="en-US" dirty="0"/>
           </a:p>
         </p:txBody>
@@ -7149,13 +7142,20 @@
     </p:spTree>
     <p:extLst>
       <p:ext uri="{BB962C8B-B14F-4D97-AF65-F5344CB8AC3E}">
-        <p14:creationId xmlns:p14="http://schemas.microsoft.com/office/powerpoint/2010/main" val="863034979"/>
+        <p14:creationId xmlns:p14="http://schemas.microsoft.com/office/powerpoint/2010/main" val="520040268"/>
       </p:ext>
     </p:extLst>
   </p:cSld>
   <p:clrMapOvr>
     <a:masterClrMapping/>
   </p:clrMapOvr>
+  <p:timing>
+    <p:tnLst>
+      <p:par>
+        <p:cTn id="1" dur="indefinite" restart="never" nodeType="tmRoot"/>
+      </p:par>
+    </p:tnLst>
+  </p:timing>
 </p:sld>
 </file>
 
@@ -7197,11 +7197,11 @@
             </a:r>
             <a:r>
               <a:rPr lang="en-US" dirty="0"/>
-              <a:t>Element- – </a:t>
+              <a:t>Element- - </a:t>
             </a:r>
             <a:r>
               <a:rPr lang="en-US" dirty="0" smtClean="0"/>
-              <a:t>Template File</a:t>
+              <a:t>Modify</a:t>
             </a:r>
             <a:endParaRPr lang="en-US" dirty="0"/>
           </a:p>
@@ -7224,13 +7224,13 @@
           <a:p>
             <a:r>
               <a:rPr lang="en-US" dirty="0" smtClean="0"/>
-              <a:t>Most powerful</a:t>
+              <a:t>Need to copy files first</a:t>
             </a:r>
           </a:p>
           <a:p>
             <a:r>
               <a:rPr lang="en-US" dirty="0" smtClean="0"/>
-              <a:t>Uses scriptblocks inline to generate content</a:t>
+              <a:t>Regex Replace on content</a:t>
             </a:r>
             <a:endParaRPr lang="en-US" dirty="0"/>
           </a:p>
@@ -7239,13 +7239,20 @@
     </p:spTree>
     <p:extLst>
       <p:ext uri="{BB962C8B-B14F-4D97-AF65-F5344CB8AC3E}">
-        <p14:creationId xmlns:p14="http://schemas.microsoft.com/office/powerpoint/2010/main" val="196045744"/>
+        <p14:creationId xmlns:p14="http://schemas.microsoft.com/office/powerpoint/2010/main" val="863034979"/>
       </p:ext>
     </p:extLst>
   </p:cSld>
   <p:clrMapOvr>
     <a:masterClrMapping/>
   </p:clrMapOvr>
+  <p:timing>
+    <p:tnLst>
+      <p:par>
+        <p:cTn id="1" dur="indefinite" restart="never" nodeType="tmRoot"/>
+      </p:par>
+    </p:tnLst>
+  </p:timing>
 </p:sld>
 </file>
 
@@ -7283,7 +7290,15 @@
           <a:p>
             <a:r>
               <a:rPr lang="en-US" dirty="0" smtClean="0"/>
-              <a:t>Skipping the Wizard</a:t>
+              <a:t>Content </a:t>
+            </a:r>
+            <a:r>
+              <a:rPr lang="en-US" dirty="0"/>
+              <a:t>Element- – </a:t>
+            </a:r>
+            <a:r>
+              <a:rPr lang="en-US" dirty="0" smtClean="0"/>
+              <a:t>Template File</a:t>
             </a:r>
             <a:endParaRPr lang="en-US" dirty="0"/>
           </a:p>
@@ -7306,13 +7321,13 @@
           <a:p>
             <a:r>
               <a:rPr lang="en-US" dirty="0" smtClean="0"/>
-              <a:t>Plaster creates dynamic parameters from its manifest</a:t>
+              <a:t>Most powerful</a:t>
             </a:r>
           </a:p>
           <a:p>
             <a:r>
               <a:rPr lang="en-US" dirty="0" smtClean="0"/>
-              <a:t>Great for large automation</a:t>
+              <a:t>Uses scriptblocks inline to generate content</a:t>
             </a:r>
             <a:endParaRPr lang="en-US" dirty="0"/>
           </a:p>
@@ -7321,13 +7336,20 @@
     </p:spTree>
     <p:extLst>
       <p:ext uri="{BB962C8B-B14F-4D97-AF65-F5344CB8AC3E}">
-        <p14:creationId xmlns:p14="http://schemas.microsoft.com/office/powerpoint/2010/main" val="290777509"/>
+        <p14:creationId xmlns:p14="http://schemas.microsoft.com/office/powerpoint/2010/main" val="196045744"/>
       </p:ext>
     </p:extLst>
   </p:cSld>
   <p:clrMapOvr>
     <a:masterClrMapping/>
   </p:clrMapOvr>
+  <p:timing>
+    <p:tnLst>
+      <p:par>
+        <p:cTn id="1" dur="indefinite" restart="never" nodeType="tmRoot"/>
+      </p:par>
+    </p:tnLst>
+  </p:timing>
 </p:sld>
 </file>
 
@@ -7365,6 +7387,167 @@
           <a:p>
             <a:r>
               <a:rPr lang="en-US" dirty="0" smtClean="0"/>
+              <a:t>Plaster TIPS</a:t>
+            </a:r>
+            <a:endParaRPr lang="en-US" dirty="0"/>
+          </a:p>
+        </p:txBody>
+      </p:sp>
+      <p:sp>
+        <p:nvSpPr>
+          <p:cNvPr id="3" name="Content Placeholder 2"/>
+          <p:cNvSpPr>
+            <a:spLocks noGrp="1"/>
+          </p:cNvSpPr>
+          <p:nvPr>
+            <p:ph idx="1"/>
+          </p:nvPr>
+        </p:nvSpPr>
+        <p:spPr/>
+        <p:txBody>
+          <a:bodyPr/>
+          <a:lstStyle/>
+          <a:p>
+            <a:endParaRPr lang="en-US"/>
+          </a:p>
+        </p:txBody>
+      </p:sp>
+    </p:spTree>
+    <p:extLst>
+      <p:ext uri="{BB962C8B-B14F-4D97-AF65-F5344CB8AC3E}">
+        <p14:creationId xmlns:p14="http://schemas.microsoft.com/office/powerpoint/2010/main" val="4097350373"/>
+      </p:ext>
+    </p:extLst>
+  </p:cSld>
+  <p:clrMapOvr>
+    <a:masterClrMapping/>
+  </p:clrMapOvr>
+</p:sld>
+</file>
+
+<file path=ppt/slides/slide26.xml><?xml version="1.0" encoding="utf-8"?>
+<p:sld xmlns:a="http://schemas.openxmlformats.org/drawingml/2006/main" xmlns:r="http://schemas.openxmlformats.org/officeDocument/2006/relationships" xmlns:p="http://schemas.openxmlformats.org/presentationml/2006/main">
+  <p:cSld>
+    <p:spTree>
+      <p:nvGrpSpPr>
+        <p:cNvPr id="1" name=""/>
+        <p:cNvGrpSpPr/>
+        <p:nvPr/>
+      </p:nvGrpSpPr>
+      <p:grpSpPr>
+        <a:xfrm>
+          <a:off x="0" y="0"/>
+          <a:ext cx="0" cy="0"/>
+          <a:chOff x="0" y="0"/>
+          <a:chExt cx="0" cy="0"/>
+        </a:xfrm>
+      </p:grpSpPr>
+      <p:sp>
+        <p:nvSpPr>
+          <p:cNvPr id="2" name="Title 1"/>
+          <p:cNvSpPr>
+            <a:spLocks noGrp="1"/>
+          </p:cNvSpPr>
+          <p:nvPr>
+            <p:ph type="title"/>
+          </p:nvPr>
+        </p:nvSpPr>
+        <p:spPr/>
+        <p:txBody>
+          <a:bodyPr/>
+          <a:lstStyle/>
+          <a:p>
+            <a:r>
+              <a:rPr lang="en-US" dirty="0" smtClean="0"/>
+              <a:t>Skipping the Wizard</a:t>
+            </a:r>
+            <a:endParaRPr lang="en-US" dirty="0"/>
+          </a:p>
+        </p:txBody>
+      </p:sp>
+      <p:sp>
+        <p:nvSpPr>
+          <p:cNvPr id="3" name="Content Placeholder 2"/>
+          <p:cNvSpPr>
+            <a:spLocks noGrp="1"/>
+          </p:cNvSpPr>
+          <p:nvPr>
+            <p:ph idx="1"/>
+          </p:nvPr>
+        </p:nvSpPr>
+        <p:spPr/>
+        <p:txBody>
+          <a:bodyPr/>
+          <a:lstStyle/>
+          <a:p>
+            <a:r>
+              <a:rPr lang="en-US" dirty="0" smtClean="0"/>
+              <a:t>Plaster creates dynamic parameters from its manifest</a:t>
+            </a:r>
+          </a:p>
+          <a:p>
+            <a:r>
+              <a:rPr lang="en-US" dirty="0" smtClean="0"/>
+              <a:t>Great for large automation</a:t>
+            </a:r>
+            <a:endParaRPr lang="en-US" dirty="0"/>
+          </a:p>
+        </p:txBody>
+      </p:sp>
+    </p:spTree>
+    <p:extLst>
+      <p:ext uri="{BB962C8B-B14F-4D97-AF65-F5344CB8AC3E}">
+        <p14:creationId xmlns:p14="http://schemas.microsoft.com/office/powerpoint/2010/main" val="290777509"/>
+      </p:ext>
+    </p:extLst>
+  </p:cSld>
+  <p:clrMapOvr>
+    <a:masterClrMapping/>
+  </p:clrMapOvr>
+  <p:timing>
+    <p:tnLst>
+      <p:par>
+        <p:cTn id="1" dur="indefinite" restart="never" nodeType="tmRoot"/>
+      </p:par>
+    </p:tnLst>
+  </p:timing>
+</p:sld>
+</file>
+
+<file path=ppt/slides/slide27.xml><?xml version="1.0" encoding="utf-8"?>
+<p:sld xmlns:a="http://schemas.openxmlformats.org/drawingml/2006/main" xmlns:r="http://schemas.openxmlformats.org/officeDocument/2006/relationships" xmlns:p="http://schemas.openxmlformats.org/presentationml/2006/main">
+  <p:cSld>
+    <p:spTree>
+      <p:nvGrpSpPr>
+        <p:cNvPr id="1" name=""/>
+        <p:cNvGrpSpPr/>
+        <p:nvPr/>
+      </p:nvGrpSpPr>
+      <p:grpSpPr>
+        <a:xfrm>
+          <a:off x="0" y="0"/>
+          <a:ext cx="0" cy="0"/>
+          <a:chOff x="0" y="0"/>
+          <a:chExt cx="0" cy="0"/>
+        </a:xfrm>
+      </p:grpSpPr>
+      <p:sp>
+        <p:nvSpPr>
+          <p:cNvPr id="2" name="Title 1"/>
+          <p:cNvSpPr>
+            <a:spLocks noGrp="1"/>
+          </p:cNvSpPr>
+          <p:nvPr>
+            <p:ph type="title"/>
+          </p:nvPr>
+        </p:nvSpPr>
+        <p:spPr/>
+        <p:txBody>
+          <a:bodyPr/>
+          <a:lstStyle/>
+          <a:p>
+            <a:r>
+              <a:rPr lang="en-US" dirty="0" smtClean="0"/>
               <a:t>Tagging Modules</a:t>
             </a:r>
             <a:endParaRPr lang="en-US" dirty="0"/>
@@ -7455,6 +7638,13 @@
   <p:clrMapOvr>
     <a:masterClrMapping/>
   </p:clrMapOvr>
+  <p:timing>
+    <p:tnLst>
+      <p:par>
+        <p:cTn id="1" dur="indefinite" restart="never" nodeType="tmRoot"/>
+      </p:par>
+    </p:tnLst>
+  </p:timing>
 </p:sld>
 </file>
 
